--- a/2016.12.09-Platform/platform.pptx
+++ b/2016.12.09-Platform/platform.pptx
@@ -35,6 +35,8 @@
     <p:sldId id="280" r:id="rId32"/>
     <p:sldId id="281" r:id="rId33"/>
     <p:sldId id="282" r:id="rId34"/>
+    <p:sldId id="283" r:id="rId35"/>
+    <p:sldId id="284" r:id="rId36"/>
   </p:sldIdLst>
   <p:sldSz cx="24384000" cy="13716000"/>
   <p:notesSz cx="6858000" cy="9144000"/>
@@ -1000,7 +1002,7 @@
         <p:spPr>
           <a:xfrm>
             <a:off x="6338589" y="4460378"/>
-            <a:ext cx="11706822" cy="6630295"/>
+            <a:ext cx="11706822" cy="6630294"/>
           </a:xfrm>
           <a:prstGeom prst="rect">
             <a:avLst/>
@@ -1123,8 +1125,8 @@
         </p:nvSpPr>
         <p:spPr>
           <a:xfrm>
-            <a:off x="6673452" y="3442394"/>
-            <a:ext cx="11037096" cy="3482579"/>
+            <a:off x="6673453" y="3442394"/>
+            <a:ext cx="11037095" cy="3482579"/>
           </a:xfrm>
           <a:prstGeom prst="rect">
             <a:avLst/>
@@ -1155,8 +1157,8 @@
         </p:nvSpPr>
         <p:spPr>
           <a:xfrm>
-            <a:off x="6673452" y="7018734"/>
-            <a:ext cx="11037096" cy="1192114"/>
+            <a:off x="6673453" y="7018734"/>
+            <a:ext cx="11037095" cy="1192114"/>
           </a:xfrm>
           <a:prstGeom prst="rect">
             <a:avLst/>
@@ -3466,7 +3468,7 @@
         <p:spPr>
           <a:xfrm>
             <a:off x="5678235" y="1394221"/>
-            <a:ext cx="17520469" cy="10927557"/>
+            <a:ext cx="17520469" cy="10927558"/>
           </a:xfrm>
           <a:prstGeom prst="rect">
             <a:avLst/>
@@ -3717,7 +3719,7 @@
         <p:spPr>
           <a:xfrm>
             <a:off x="3978010" y="3290692"/>
-            <a:ext cx="10388649" cy="1"/>
+            <a:ext cx="10388650" cy="1"/>
           </a:xfrm>
           <a:prstGeom prst="line">
             <a:avLst/>
@@ -3748,8 +3750,8 @@
         </p:nvGrpSpPr>
         <p:grpSpPr>
           <a:xfrm>
-            <a:off x="2573286" y="2048954"/>
-            <a:ext cx="1122735" cy="1937828"/>
+            <a:off x="2573285" y="2048954"/>
+            <a:ext cx="1122736" cy="1937828"/>
             <a:chOff x="0" y="0"/>
             <a:chExt cx="1122734" cy="1937826"/>
           </a:xfrm>
@@ -4062,7 +4064,7 @@
         <p:spPr>
           <a:xfrm>
             <a:off x="5481002" y="3577886"/>
-            <a:ext cx="444491" cy="444491"/>
+            <a:ext cx="444490" cy="444490"/>
           </a:xfrm>
           <a:prstGeom prst="ellipse">
             <a:avLst/>
@@ -4152,7 +4154,7 @@
         <p:spPr>
           <a:xfrm>
             <a:off x="10462842" y="3577886"/>
-            <a:ext cx="444491" cy="444491"/>
+            <a:ext cx="444491" cy="444490"/>
           </a:xfrm>
           <a:prstGeom prst="ellipse">
             <a:avLst/>
@@ -4197,8 +4199,8 @@
         </p:nvSpPr>
         <p:spPr>
           <a:xfrm>
-            <a:off x="12227346" y="3577886"/>
-            <a:ext cx="444490" cy="444491"/>
+            <a:off x="12227345" y="3577886"/>
+            <a:ext cx="444491" cy="444490"/>
           </a:xfrm>
           <a:prstGeom prst="ellipse">
             <a:avLst/>
@@ -4239,8 +4241,8 @@
         </p:nvSpPr>
         <p:spPr>
           <a:xfrm>
-            <a:off x="13451373" y="3574401"/>
-            <a:ext cx="444490" cy="444491"/>
+            <a:off x="13451372" y="3574401"/>
+            <a:ext cx="444491" cy="444491"/>
           </a:xfrm>
           <a:prstGeom prst="ellipse">
             <a:avLst/>
@@ -4335,7 +4337,7 @@
         </p:nvSpPr>
         <p:spPr>
           <a:xfrm>
-            <a:off x="6963652" y="3190219"/>
+            <a:off x="6963651" y="3190219"/>
             <a:ext cx="1144824" cy="488157"/>
           </a:xfrm>
           <a:prstGeom prst="rect">
@@ -4439,7 +4441,7 @@
         <p:spPr>
           <a:xfrm>
             <a:off x="9802102" y="3919756"/>
-            <a:ext cx="1765971" cy="500857"/>
+            <a:ext cx="1765971" cy="500858"/>
           </a:xfrm>
           <a:prstGeom prst="rect">
             <a:avLst/>
@@ -4490,8 +4492,8 @@
         </p:nvSpPr>
         <p:spPr>
           <a:xfrm>
-            <a:off x="6776953" y="3949666"/>
-            <a:ext cx="1518221" cy="437357"/>
+            <a:off x="6776952" y="3949666"/>
+            <a:ext cx="1518222" cy="437357"/>
           </a:xfrm>
           <a:prstGeom prst="rect">
             <a:avLst/>
@@ -4542,7 +4544,7 @@
         <p:spPr>
           <a:xfrm>
             <a:off x="4944136" y="3941981"/>
-            <a:ext cx="1518222" cy="437357"/>
+            <a:ext cx="1518222" cy="437358"/>
           </a:xfrm>
           <a:prstGeom prst="rect">
             <a:avLst/>
@@ -4688,7 +4690,7 @@
         </p:nvSpPr>
         <p:spPr>
           <a:xfrm>
-            <a:off x="13360960" y="3211557"/>
+            <a:off x="13360959" y="3211557"/>
             <a:ext cx="678657" cy="488158"/>
           </a:xfrm>
           <a:prstGeom prst="rect">
@@ -4740,7 +4742,7 @@
         <p:spPr>
           <a:xfrm>
             <a:off x="12998801" y="3944998"/>
-            <a:ext cx="1518221" cy="437357"/>
+            <a:ext cx="1518222" cy="437357"/>
           </a:xfrm>
           <a:prstGeom prst="rect">
             <a:avLst/>
@@ -4826,7 +4828,7 @@
         <p:spPr>
           <a:xfrm>
             <a:off x="10883908" y="4352788"/>
-            <a:ext cx="1" cy="438979"/>
+            <a:ext cx="1" cy="438980"/>
           </a:xfrm>
           <a:prstGeom prst="line">
             <a:avLst/>
@@ -4861,8 +4863,8 @@
         </p:nvSpPr>
         <p:spPr>
           <a:xfrm>
-            <a:off x="5835952" y="4966783"/>
-            <a:ext cx="3608884" cy="8012407"/>
+            <a:off x="5835951" y="4966783"/>
+            <a:ext cx="3608885" cy="8012407"/>
           </a:xfrm>
           <a:prstGeom prst="rect">
             <a:avLst/>
@@ -5317,8 +5319,8 @@
         </p:nvSpPr>
         <p:spPr>
           <a:xfrm>
-            <a:off x="1836196" y="4966783"/>
-            <a:ext cx="3744417" cy="8030876"/>
+            <a:off x="1836196" y="4966782"/>
+            <a:ext cx="3744417" cy="8030877"/>
           </a:xfrm>
           <a:prstGeom prst="rect">
             <a:avLst/>
@@ -5818,7 +5820,7 @@
         <p:spPr>
           <a:xfrm>
             <a:off x="7568307" y="4365255"/>
-            <a:ext cx="133713" cy="436827"/>
+            <a:ext cx="133712" cy="436827"/>
           </a:xfrm>
           <a:prstGeom prst="line">
             <a:avLst/>
@@ -5852,8 +5854,8 @@
         </p:nvSpPr>
         <p:spPr>
           <a:xfrm>
-            <a:off x="9874833" y="4963691"/>
-            <a:ext cx="3608884" cy="8018591"/>
+            <a:off x="9874832" y="4963691"/>
+            <a:ext cx="3608885" cy="8018591"/>
           </a:xfrm>
           <a:prstGeom prst="rect">
             <a:avLst/>
@@ -6321,7 +6323,7 @@
         </p:nvSpPr>
         <p:spPr>
           <a:xfrm>
-            <a:off x="19642268" y="2735197"/>
+            <a:off x="19642267" y="2735197"/>
             <a:ext cx="3473352" cy="10367758"/>
           </a:xfrm>
           <a:prstGeom prst="rect">
@@ -7510,8 +7512,8 @@
         </p:nvSpPr>
         <p:spPr>
           <a:xfrm>
-            <a:off x="12361425" y="4366403"/>
-            <a:ext cx="1986635" cy="348945"/>
+            <a:off x="12361426" y="4366404"/>
+            <a:ext cx="1986635" cy="348944"/>
           </a:xfrm>
           <a:custGeom>
             <a:avLst/>
@@ -7581,7 +7583,7 @@
         <p:spPr>
           <a:xfrm>
             <a:off x="13618849" y="2162580"/>
-            <a:ext cx="6553546" cy="1065961"/>
+            <a:ext cx="6553547" cy="1065961"/>
           </a:xfrm>
           <a:custGeom>
             <a:avLst/>
@@ -8279,8 +8281,8 @@
         </p:nvSpPr>
         <p:spPr>
           <a:xfrm>
-            <a:off x="6673452" y="4173735"/>
-            <a:ext cx="11037096" cy="3482580"/>
+            <a:off x="6673453" y="4173735"/>
+            <a:ext cx="11037095" cy="3482580"/>
           </a:xfrm>
           <a:prstGeom prst="rect">
             <a:avLst/>
@@ -8314,8 +8316,8 @@
         </p:nvSpPr>
         <p:spPr>
           <a:xfrm>
-            <a:off x="11594534" y="7598276"/>
-            <a:ext cx="5834858" cy="640557"/>
+            <a:off x="11594535" y="7598276"/>
+            <a:ext cx="5834857" cy="640557"/>
           </a:xfrm>
           <a:prstGeom prst="rect">
             <a:avLst/>
@@ -8989,8 +8991,8 @@
         </p:nvSpPr>
         <p:spPr>
           <a:xfrm>
-            <a:off x="15306325" y="688765"/>
-            <a:ext cx="6903517" cy="12338470"/>
+            <a:off x="15306324" y="688765"/>
+            <a:ext cx="6903518" cy="12338470"/>
           </a:xfrm>
           <a:prstGeom prst="rect">
             <a:avLst/>
@@ -10969,7 +10971,7 @@
         <p:spPr>
           <a:xfrm>
             <a:off x="127000" y="6847031"/>
-            <a:ext cx="2222314" cy="2112369"/>
+            <a:ext cx="2222314" cy="2112368"/>
           </a:xfrm>
           <a:prstGeom prst="ellipse">
             <a:avLst/>
@@ -11276,7 +11278,7 @@
         <p:spPr>
           <a:xfrm>
             <a:off x="4206727" y="9734358"/>
-            <a:ext cx="13208296" cy="1590676"/>
+            <a:ext cx="13208295" cy="1590676"/>
           </a:xfrm>
           <a:prstGeom prst="rect">
             <a:avLst/>
@@ -11327,8 +11329,8 @@
         </p:nvSpPr>
         <p:spPr>
           <a:xfrm>
-            <a:off x="9030223" y="11244375"/>
-            <a:ext cx="3561303" cy="1108076"/>
+            <a:off x="9030223" y="11244374"/>
+            <a:ext cx="3561304" cy="1108076"/>
           </a:xfrm>
           <a:prstGeom prst="rect">
             <a:avLst/>
@@ -11382,8 +11384,8 @@
         </p:blipFill>
         <p:spPr>
           <a:xfrm rot="19812942">
-            <a:off x="2232145" y="6943263"/>
-            <a:ext cx="2124934" cy="457904"/>
+            <a:off x="2232145" y="6943262"/>
+            <a:ext cx="2124934" cy="457905"/>
           </a:xfrm>
           <a:prstGeom prst="rect">
             <a:avLst/>
@@ -11490,7 +11492,7 @@
         </p:nvSpPr>
         <p:spPr>
           <a:xfrm>
-            <a:off x="7279664" y="5226950"/>
+            <a:off x="7279664" y="5226949"/>
             <a:ext cx="1806983" cy="1235076"/>
           </a:xfrm>
           <a:prstGeom prst="rect">
@@ -11536,7 +11538,7 @@
         </p:nvSpPr>
         <p:spPr>
           <a:xfrm>
-            <a:off x="12529263" y="5226950"/>
+            <a:off x="12529262" y="5226949"/>
             <a:ext cx="1603529" cy="1235076"/>
           </a:xfrm>
           <a:prstGeom prst="rect">
@@ -11593,7 +11595,7 @@
         <p:spPr>
           <a:xfrm rot="12302926">
             <a:off x="6650701" y="8594633"/>
-            <a:ext cx="4352414" cy="457905"/>
+            <a:ext cx="4352414" cy="457904"/>
           </a:xfrm>
           <a:prstGeom prst="rect">
             <a:avLst/>
@@ -11618,8 +11620,8 @@
         </p:blipFill>
         <p:spPr>
           <a:xfrm rot="19726959">
-            <a:off x="10637213" y="8486021"/>
-            <a:ext cx="3954097" cy="457904"/>
+            <a:off x="10637213" y="8486020"/>
+            <a:ext cx="3954097" cy="457905"/>
           </a:xfrm>
           <a:prstGeom prst="rect">
             <a:avLst/>
@@ -11660,7 +11662,7 @@
         </p:nvSpPr>
         <p:spPr>
           <a:xfrm>
-            <a:off x="12164646" y="8853200"/>
+            <a:off x="12164645" y="8853199"/>
             <a:ext cx="2332763" cy="688976"/>
           </a:xfrm>
           <a:prstGeom prst="rect">
@@ -11700,8 +11702,8 @@
         </p:nvSpPr>
         <p:spPr>
           <a:xfrm>
-            <a:off x="19318607" y="5959354"/>
-            <a:ext cx="2129308" cy="5626455"/>
+            <a:off x="19318606" y="5959354"/>
+            <a:ext cx="2129309" cy="5626455"/>
           </a:xfrm>
           <a:prstGeom prst="rect">
             <a:avLst/>
@@ -11762,8 +11764,8 @@
         </p:blipFill>
         <p:spPr>
           <a:xfrm>
-            <a:off x="21356421" y="8768309"/>
-            <a:ext cx="2277819" cy="457905"/>
+            <a:off x="21356420" y="8768310"/>
+            <a:ext cx="2277819" cy="457904"/>
           </a:xfrm>
           <a:prstGeom prst="rect">
             <a:avLst/>
@@ -11778,7 +11780,7 @@
         </p:nvSpPr>
         <p:spPr>
           <a:xfrm>
-            <a:off x="22034089" y="8159399"/>
+            <a:off x="22034088" y="8159399"/>
             <a:ext cx="866979" cy="688976"/>
           </a:xfrm>
           <a:prstGeom prst="rect">
@@ -11819,7 +11821,7 @@
           <p:nvPr/>
         </p:nvPicPr>
         <p:blipFill>
-          <a:blip r:embed="rId6">
+          <a:blip r:embed="rId12">
             <a:extLst/>
           </a:blip>
           <a:stretch>
@@ -11829,7 +11831,7 @@
         <p:spPr>
           <a:xfrm rot="10800000">
             <a:off x="16964186" y="8768309"/>
-            <a:ext cx="2286580" cy="457905"/>
+            <a:ext cx="2286579" cy="457905"/>
           </a:xfrm>
           <a:prstGeom prst="rect">
             <a:avLst/>
@@ -11845,7 +11847,7 @@
         <p:spPr>
           <a:xfrm>
             <a:off x="17013616" y="8159399"/>
-            <a:ext cx="2289785" cy="688976"/>
+            <a:ext cx="2289786" cy="688976"/>
           </a:xfrm>
           <a:prstGeom prst="rect">
             <a:avLst/>
@@ -12020,8 +12022,8 @@
         </p:nvSpPr>
         <p:spPr>
           <a:xfrm>
-            <a:off x="2159170" y="3431381"/>
-            <a:ext cx="20065660" cy="4643438"/>
+            <a:off x="1854305" y="3431381"/>
+            <a:ext cx="20675390" cy="4643438"/>
           </a:xfrm>
           <a:prstGeom prst="rect">
             <a:avLst/>
@@ -12052,11 +12054,193 @@
           <a:p>
             <a:pPr/>
             <a:r>
-              <a:t>Part 3. Tensorflow Hello world</a:t>
+              <a:t>Part 3. Tensorflow Hello World</a:t>
             </a:r>
           </a:p>
         </p:txBody>
       </p:sp>
+    </p:spTree>
+  </p:cSld>
+  <p:clrMapOvr>
+    <a:masterClrMapping/>
+  </p:clrMapOvr>
+  <p:transition xmlns:p14="http://schemas.microsoft.com/office/powerpoint/2010/main" spd="med" advClick="1"/>
+</p:sld>
+</file>
+
+<file path=ppt/slides/slide28.xml><?xml version="1.0" encoding="utf-8"?>
+<p:sld xmlns:a="http://schemas.openxmlformats.org/drawingml/2006/main" xmlns:r="http://schemas.openxmlformats.org/officeDocument/2006/relationships" xmlns:p="http://schemas.openxmlformats.org/presentationml/2006/main" showMasterSp="1" showMasterPhAnim="1">
+  <p:cSld>
+    <p:spTree>
+      <p:nvGrpSpPr>
+        <p:cNvPr id="1" name=""/>
+        <p:cNvGrpSpPr/>
+        <p:nvPr/>
+      </p:nvGrpSpPr>
+      <p:grpSpPr>
+        <a:xfrm>
+          <a:off x="0" y="0"/>
+          <a:ext cx="0" cy="0"/>
+          <a:chOff x="0" y="0"/>
+          <a:chExt cx="0" cy="0"/>
+        </a:xfrm>
+      </p:grpSpPr>
+      <p:sp>
+        <p:nvSpPr>
+          <p:cNvPr id="315" name="Shape 315"/>
+          <p:cNvSpPr/>
+          <p:nvPr>
+            <p:ph type="title"/>
+          </p:nvPr>
+        </p:nvSpPr>
+        <p:spPr>
+          <a:prstGeom prst="rect">
+            <a:avLst/>
+          </a:prstGeom>
+        </p:spPr>
+        <p:txBody>
+          <a:bodyPr/>
+          <a:lstStyle/>
+          <a:p>
+            <a:pPr/>
+            <a:r>
+              <a:t>安裝</a:t>
+            </a:r>
+          </a:p>
+        </p:txBody>
+      </p:sp>
+      <p:sp>
+        <p:nvSpPr>
+          <p:cNvPr id="316" name="Shape 316"/>
+          <p:cNvSpPr/>
+          <p:nvPr>
+            <p:ph type="body" idx="1"/>
+          </p:nvPr>
+        </p:nvSpPr>
+        <p:spPr>
+          <a:prstGeom prst="rect">
+            <a:avLst/>
+          </a:prstGeom>
+        </p:spPr>
+        <p:txBody>
+          <a:bodyPr/>
+          <a:lstStyle>
+            <a:lvl1pPr>
+              <a:defRPr u="sng">
+                <a:hlinkClick r:id="rId2" invalidUrl="" action="" tgtFrame="" tooltip="" history="1" highlightClick="0" endSnd="0"/>
+              </a:defRPr>
+            </a:lvl1pPr>
+          </a:lstStyle>
+          <a:p>
+            <a:pPr>
+              <a:defRPr u="none"/>
+            </a:pPr>
+            <a:r>
+              <a:rPr u="sng">
+                <a:hlinkClick r:id="rId2" invalidUrl="" action="" tgtFrame="" tooltip="" history="1" highlightClick="0" endSnd="0"/>
+              </a:rPr>
+              <a:t>https://www.tensorflow.org/versions/r0.12/get_started/os_setup.html</a:t>
+            </a:r>
+          </a:p>
+        </p:txBody>
+      </p:sp>
+    </p:spTree>
+  </p:cSld>
+  <p:clrMapOvr>
+    <a:masterClrMapping/>
+  </p:clrMapOvr>
+  <p:transition xmlns:p14="http://schemas.microsoft.com/office/powerpoint/2010/main" spd="med" advClick="1"/>
+</p:sld>
+</file>
+
+<file path=ppt/slides/slide29.xml><?xml version="1.0" encoding="utf-8"?>
+<p:sld xmlns:a="http://schemas.openxmlformats.org/drawingml/2006/main" xmlns:r="http://schemas.openxmlformats.org/officeDocument/2006/relationships" xmlns:p="http://schemas.openxmlformats.org/presentationml/2006/main" showMasterSp="1" showMasterPhAnim="1">
+  <p:cSld>
+    <p:spTree>
+      <p:nvGrpSpPr>
+        <p:cNvPr id="1" name=""/>
+        <p:cNvGrpSpPr/>
+        <p:nvPr/>
+      </p:nvGrpSpPr>
+      <p:grpSpPr>
+        <a:xfrm>
+          <a:off x="0" y="0"/>
+          <a:ext cx="0" cy="0"/>
+          <a:chOff x="0" y="0"/>
+          <a:chExt cx="0" cy="0"/>
+        </a:xfrm>
+      </p:grpSpPr>
+      <p:sp>
+        <p:nvSpPr>
+          <p:cNvPr id="318" name="Shape 318"/>
+          <p:cNvSpPr/>
+          <p:nvPr>
+            <p:ph type="title"/>
+          </p:nvPr>
+        </p:nvSpPr>
+        <p:spPr>
+          <a:prstGeom prst="rect">
+            <a:avLst/>
+          </a:prstGeom>
+        </p:spPr>
+        <p:txBody>
+          <a:bodyPr/>
+          <a:lstStyle/>
+          <a:p>
+            <a:pPr/>
+          </a:p>
+        </p:txBody>
+      </p:sp>
+      <p:sp>
+        <p:nvSpPr>
+          <p:cNvPr id="319" name="Shape 319"/>
+          <p:cNvSpPr/>
+          <p:nvPr>
+            <p:ph type="body" idx="1"/>
+          </p:nvPr>
+        </p:nvSpPr>
+        <p:spPr>
+          <a:prstGeom prst="rect">
+            <a:avLst/>
+          </a:prstGeom>
+        </p:spPr>
+        <p:txBody>
+          <a:bodyPr/>
+          <a:lstStyle/>
+          <a:p>
+            <a:pPr/>
+          </a:p>
+        </p:txBody>
+      </p:sp>
+      <p:pic>
+        <p:nvPicPr>
+          <p:cNvPr id="320" name="Screen Shot 2016-12-09 at 9.38.02 AM.png"/>
+          <p:cNvPicPr>
+            <a:picLocks noChangeAspect="1"/>
+          </p:cNvPicPr>
+          <p:nvPr/>
+        </p:nvPicPr>
+        <p:blipFill>
+          <a:blip r:embed="rId2">
+            <a:extLst/>
+          </a:blip>
+          <a:stretch>
+            <a:fillRect/>
+          </a:stretch>
+        </p:blipFill>
+        <p:spPr>
+          <a:xfrm>
+            <a:off x="599962" y="360661"/>
+            <a:ext cx="24384001" cy="13103322"/>
+          </a:xfrm>
+          <a:prstGeom prst="rect">
+            <a:avLst/>
+          </a:prstGeom>
+          <a:ln w="12700">
+            <a:miter lim="400000"/>
+          </a:ln>
+        </p:spPr>
+      </p:pic>
     </p:spTree>
   </p:cSld>
   <p:clrMapOvr>
@@ -12212,34 +12396,35 @@
           <a:chExt cx="0" cy="0"/>
         </a:xfrm>
       </p:grpSpPr>
-      <p:sp>
-        <p:nvSpPr>
-          <p:cNvPr id="147" name="Shape 147"/>
-          <p:cNvSpPr/>
-          <p:nvPr>
-            <p:ph type="title"/>
-          </p:nvPr>
-        </p:nvSpPr>
+      <p:pic>
+        <p:nvPicPr>
+          <p:cNvPr id="147" name="pasted-image.jpeg"/>
+          <p:cNvPicPr>
+            <a:picLocks noChangeAspect="1"/>
+          </p:cNvPicPr>
+          <p:nvPr/>
+        </p:nvPicPr>
+        <p:blipFill>
+          <a:blip r:embed="rId2">
+            <a:extLst/>
+          </a:blip>
+          <a:stretch>
+            <a:fillRect/>
+          </a:stretch>
+        </p:blipFill>
         <p:spPr>
           <a:xfrm>
-            <a:off x="6338589" y="802183"/>
-            <a:ext cx="11706822" cy="2277071"/>
+            <a:off x="8439941" y="9116821"/>
+            <a:ext cx="2447689" cy="2447690"/>
           </a:xfrm>
           <a:prstGeom prst="rect">
             <a:avLst/>
           </a:prstGeom>
-        </p:spPr>
-        <p:txBody>
-          <a:bodyPr/>
-          <a:lstStyle/>
-          <a:p>
-            <a:pPr/>
-            <a:r>
-              <a:t>動態消息？</a:t>
-            </a:r>
-          </a:p>
-        </p:txBody>
-      </p:sp>
+          <a:ln w="12700">
+            <a:miter lim="400000"/>
+          </a:ln>
+        </p:spPr>
+      </p:pic>
       <p:sp>
         <p:nvSpPr>
           <p:cNvPr id="148" name="Shape 148"/>
@@ -12248,8 +12433,8 @@
         </p:nvSpPr>
         <p:spPr>
           <a:xfrm>
-            <a:off x="1654857" y="12225337"/>
-            <a:ext cx="14192473" cy="564357"/>
+            <a:off x="11359743" y="8914620"/>
+            <a:ext cx="2508703" cy="1018877"/>
           </a:xfrm>
           <a:prstGeom prst="rect">
             <a:avLst/>
@@ -12264,39 +12449,185 @@
           </a:extLst>
         </p:spPr>
         <p:txBody>
-          <a:bodyPr wrap="none" lIns="53578" tIns="53578" rIns="53578" bIns="53578" anchor="ctr">
-            <a:spAutoFit/>
-          </a:bodyPr>
+          <a:bodyPr lIns="53578" tIns="53578" rIns="53578" bIns="53578" anchor="ctr"/>
+          <a:lstStyle/>
+          <a:p>
+            <a:pPr>
+              <a:defRPr sz="5800"/>
+            </a:pPr>
+            <a:r>
+              <a:rPr b="1">
+                <a:latin typeface="Helvetica"/>
+                <a:ea typeface="Helvetica"/>
+                <a:cs typeface="Helvetica"/>
+                <a:sym typeface="Helvetica"/>
+              </a:rPr>
+              <a:t>Roger</a:t>
+            </a:r>
+            <a:r>
+              <a:t> </a:t>
+            </a:r>
+          </a:p>
+        </p:txBody>
+      </p:sp>
+      <p:sp>
+        <p:nvSpPr>
+          <p:cNvPr id="149" name="Shape 149"/>
+          <p:cNvSpPr/>
+          <p:nvPr/>
+        </p:nvSpPr>
+        <p:spPr>
+          <a:xfrm>
+            <a:off x="15164908" y="10870800"/>
+            <a:ext cx="3183725" cy="875982"/>
+          </a:xfrm>
+          <a:prstGeom prst="rect">
+            <a:avLst/>
+          </a:prstGeom>
+          <a:ln w="12700">
+            <a:miter lim="400000"/>
+          </a:ln>
+          <a:extLst>
+            <a:ext uri="{C572A759-6A51-4108-AA02-DFA0A04FC94B}">
+              <ma14:wrappingTextBoxFlag xmlns:ma14="http://schemas.microsoft.com/office/mac/drawingml/2011/main" val="1"/>
+            </a:ext>
+          </a:extLst>
+        </p:spPr>
+        <p:txBody>
+          <a:bodyPr lIns="53578" tIns="53578" rIns="53578" bIns="53578" anchor="ctr"/>
+          <a:lstStyle/>
+          <a:p>
+            <a:pPr>
+              <a:defRPr sz="4200"/>
+            </a:pPr>
+            <a:r>
+              <a:t>- 於</a:t>
+            </a:r>
+            <a:r>
+              <a:rPr b="1">
+                <a:latin typeface="Helvetica"/>
+                <a:ea typeface="Helvetica"/>
+                <a:cs typeface="Helvetica"/>
+                <a:sym typeface="Helvetica"/>
+              </a:rPr>
+              <a:t>信義分行</a:t>
+            </a:r>
+          </a:p>
+        </p:txBody>
+      </p:sp>
+      <p:sp>
+        <p:nvSpPr>
+          <p:cNvPr id="150" name="Shape 150"/>
+          <p:cNvSpPr/>
+          <p:nvPr/>
+        </p:nvSpPr>
+        <p:spPr>
+          <a:xfrm>
+            <a:off x="11345447" y="10961727"/>
+            <a:ext cx="3680296" cy="694129"/>
+          </a:xfrm>
+          <a:prstGeom prst="rect">
+            <a:avLst/>
+          </a:prstGeom>
+          <a:ln w="12700">
+            <a:miter lim="400000"/>
+          </a:ln>
+          <a:extLst>
+            <a:ext uri="{C572A759-6A51-4108-AA02-DFA0A04FC94B}">
+              <ma14:wrappingTextBoxFlag xmlns:ma14="http://schemas.microsoft.com/office/mac/drawingml/2011/main" val="1"/>
+            </a:ext>
+          </a:extLst>
+        </p:spPr>
+        <p:txBody>
+          <a:bodyPr lIns="53578" tIns="53578" rIns="53578" bIns="53578" anchor="ctr"/>
           <a:lstStyle>
             <a:lvl1pPr>
-              <a:defRPr sz="3000" u="sng">
-                <a:hlinkClick r:id="rId2" invalidUrl="" action="" tgtFrame="" tooltip="" history="1" highlightClick="0" endSnd="0"/>
+              <a:defRPr sz="3200">
+                <a:solidFill>
+                  <a:schemeClr val="accent2"/>
+                </a:solidFill>
+                <a:latin typeface="Arial Black"/>
+                <a:ea typeface="Arial Black"/>
+                <a:cs typeface="Arial Black"/>
+                <a:sym typeface="Arial Black"/>
               </a:defRPr>
             </a:lvl1pPr>
           </a:lstStyle>
           <a:p>
+            <a:pPr/>
+            <a:r>
+              <a:t>2015/02/29 9:34</a:t>
+            </a:r>
+          </a:p>
+        </p:txBody>
+      </p:sp>
+      <p:sp>
+        <p:nvSpPr>
+          <p:cNvPr id="151" name="Shape 151"/>
+          <p:cNvSpPr/>
+          <p:nvPr/>
+        </p:nvSpPr>
+        <p:spPr>
+          <a:xfrm>
+            <a:off x="11307428" y="10054207"/>
+            <a:ext cx="7226478" cy="953918"/>
+          </a:xfrm>
+          <a:prstGeom prst="rect">
+            <a:avLst/>
+          </a:prstGeom>
+          <a:ln w="12700">
+            <a:miter lim="400000"/>
+          </a:ln>
+          <a:extLst>
+            <a:ext uri="{C572A759-6A51-4108-AA02-DFA0A04FC94B}">
+              <ma14:wrappingTextBoxFlag xmlns:ma14="http://schemas.microsoft.com/office/mac/drawingml/2011/main" val="1"/>
+            </a:ext>
+          </a:extLst>
+        </p:spPr>
+        <p:txBody>
+          <a:bodyPr lIns="53578" tIns="53578" rIns="53578" bIns="53578" anchor="ctr"/>
+          <a:lstStyle/>
+          <a:p>
             <a:pPr>
-              <a:defRPr u="none"/>
-            </a:pPr>
-            <a:r>
-              <a:rPr u="sng">
-                <a:hlinkClick r:id="rId2" invalidUrl="" action="" tgtFrame="" tooltip="" history="1" highlightClick="0" endSnd="0"/>
+              <a:defRPr sz="4600"/>
+            </a:pPr>
+            <a:r>
+              <a:t>開辦了</a:t>
+            </a:r>
+            <a:r>
+              <a:rPr b="1">
+                <a:latin typeface="Helvetica"/>
+                <a:ea typeface="Helvetica"/>
+                <a:cs typeface="Helvetica"/>
+                <a:sym typeface="Helvetica"/>
               </a:rPr>
-              <a:t>https://github.com/activitystreams/activity-schema/blob/master/activity-schema.md</a:t>
+              <a:t>信用卡戶</a:t>
+            </a:r>
+            <a:r>
+              <a:t> - </a:t>
+            </a:r>
+            <a:r>
+              <a:rPr b="1">
+                <a:latin typeface="Helvetica"/>
+                <a:ea typeface="Helvetica"/>
+                <a:cs typeface="Helvetica"/>
+                <a:sym typeface="Helvetica"/>
+              </a:rPr>
+              <a:t>長榮無限</a:t>
             </a:r>
           </a:p>
         </p:txBody>
       </p:sp>
       <p:pic>
         <p:nvPicPr>
-          <p:cNvPr id="149" name="Screen Shot 2016-10-16 at 11.15.14 PM.png"/>
+          <p:cNvPr id="152" name="pasted-image.jpeg"/>
           <p:cNvPicPr>
             <a:picLocks noChangeAspect="1"/>
           </p:cNvPicPr>
           <p:nvPr/>
         </p:nvPicPr>
         <p:blipFill>
-          <a:blip r:embed="rId3">
+          <a:blip r:embed="rId2">
             <a:extLst/>
           </a:blip>
           <a:stretch>
@@ -12305,8 +12636,8 @@
         </p:blipFill>
         <p:spPr>
           <a:xfrm>
-            <a:off x="4206990" y="3652648"/>
-            <a:ext cx="15970020" cy="7999295"/>
+            <a:off x="8467219" y="5661433"/>
+            <a:ext cx="2393134" cy="2393134"/>
           </a:xfrm>
           <a:prstGeom prst="rect">
             <a:avLst/>
@@ -12316,6 +12647,581 @@
           </a:ln>
         </p:spPr>
       </p:pic>
+      <p:sp>
+        <p:nvSpPr>
+          <p:cNvPr id="153" name="Shape 153"/>
+          <p:cNvSpPr/>
+          <p:nvPr/>
+        </p:nvSpPr>
+        <p:spPr>
+          <a:xfrm>
+            <a:off x="11157764" y="5595447"/>
+            <a:ext cx="2452787" cy="996168"/>
+          </a:xfrm>
+          <a:prstGeom prst="rect">
+            <a:avLst/>
+          </a:prstGeom>
+          <a:ln w="12700">
+            <a:miter lim="400000"/>
+          </a:ln>
+          <a:extLst>
+            <a:ext uri="{C572A759-6A51-4108-AA02-DFA0A04FC94B}">
+              <ma14:wrappingTextBoxFlag xmlns:ma14="http://schemas.microsoft.com/office/mac/drawingml/2011/main" val="1"/>
+            </a:ext>
+          </a:extLst>
+        </p:spPr>
+        <p:txBody>
+          <a:bodyPr wrap="none" lIns="53578" tIns="53578" rIns="53578" bIns="53578" anchor="ctr">
+            <a:spAutoFit/>
+          </a:bodyPr>
+          <a:lstStyle/>
+          <a:p>
+            <a:pPr>
+              <a:defRPr sz="5800"/>
+            </a:pPr>
+            <a:r>
+              <a:rPr b="1">
+                <a:latin typeface="Helvetica"/>
+                <a:ea typeface="Helvetica"/>
+                <a:cs typeface="Helvetica"/>
+                <a:sym typeface="Helvetica"/>
+              </a:rPr>
+              <a:t>Roger</a:t>
+            </a:r>
+            <a:r>
+              <a:t> </a:t>
+            </a:r>
+          </a:p>
+        </p:txBody>
+      </p:sp>
+      <p:sp>
+        <p:nvSpPr>
+          <p:cNvPr id="154" name="Shape 154"/>
+          <p:cNvSpPr/>
+          <p:nvPr/>
+        </p:nvSpPr>
+        <p:spPr>
+          <a:xfrm>
+            <a:off x="15164909" y="7529996"/>
+            <a:ext cx="3943597" cy="856458"/>
+          </a:xfrm>
+          <a:prstGeom prst="rect">
+            <a:avLst/>
+          </a:prstGeom>
+          <a:ln w="12700">
+            <a:miter lim="400000"/>
+          </a:ln>
+          <a:extLst>
+            <a:ext uri="{C572A759-6A51-4108-AA02-DFA0A04FC94B}">
+              <ma14:wrappingTextBoxFlag xmlns:ma14="http://schemas.microsoft.com/office/mac/drawingml/2011/main" val="1"/>
+            </a:ext>
+          </a:extLst>
+        </p:spPr>
+        <p:txBody>
+          <a:bodyPr wrap="none" lIns="53578" tIns="53578" rIns="53578" bIns="53578" anchor="ctr">
+            <a:spAutoFit/>
+          </a:bodyPr>
+          <a:lstStyle/>
+          <a:p>
+            <a:pPr>
+              <a:defRPr sz="4200"/>
+            </a:pPr>
+            <a:r>
+              <a:t>- 於</a:t>
+            </a:r>
+            <a:r>
+              <a:rPr b="1">
+                <a:latin typeface="Helvetica"/>
+                <a:ea typeface="Helvetica"/>
+                <a:cs typeface="Helvetica"/>
+                <a:sym typeface="Helvetica"/>
+              </a:rPr>
+              <a:t>MyRewards</a:t>
+            </a:r>
+          </a:p>
+        </p:txBody>
+      </p:sp>
+      <p:sp>
+        <p:nvSpPr>
+          <p:cNvPr id="155" name="Shape 155"/>
+          <p:cNvSpPr/>
+          <p:nvPr/>
+        </p:nvSpPr>
+        <p:spPr>
+          <a:xfrm>
+            <a:off x="11250927" y="7618896"/>
+            <a:ext cx="3869333" cy="678658"/>
+          </a:xfrm>
+          <a:prstGeom prst="rect">
+            <a:avLst/>
+          </a:prstGeom>
+          <a:ln w="12700">
+            <a:miter lim="400000"/>
+          </a:ln>
+          <a:extLst>
+            <a:ext uri="{C572A759-6A51-4108-AA02-DFA0A04FC94B}">
+              <ma14:wrappingTextBoxFlag xmlns:ma14="http://schemas.microsoft.com/office/mac/drawingml/2011/main" val="1"/>
+            </a:ext>
+          </a:extLst>
+        </p:spPr>
+        <p:txBody>
+          <a:bodyPr wrap="none" lIns="53578" tIns="53578" rIns="53578" bIns="53578" anchor="ctr">
+            <a:spAutoFit/>
+          </a:bodyPr>
+          <a:lstStyle>
+            <a:lvl1pPr>
+              <a:defRPr sz="3200">
+                <a:solidFill>
+                  <a:schemeClr val="accent2"/>
+                </a:solidFill>
+                <a:latin typeface="Arial Black"/>
+                <a:ea typeface="Arial Black"/>
+                <a:cs typeface="Arial Black"/>
+                <a:sym typeface="Arial Black"/>
+              </a:defRPr>
+            </a:lvl1pPr>
+          </a:lstStyle>
+          <a:p>
+            <a:pPr/>
+            <a:r>
+              <a:t>2015/04/29 12:08</a:t>
+            </a:r>
+          </a:p>
+        </p:txBody>
+      </p:sp>
+      <p:sp>
+        <p:nvSpPr>
+          <p:cNvPr id="156" name="Shape 156"/>
+          <p:cNvSpPr/>
+          <p:nvPr/>
+        </p:nvSpPr>
+        <p:spPr>
+          <a:xfrm>
+            <a:off x="11308805" y="6638927"/>
+            <a:ext cx="6481020" cy="932657"/>
+          </a:xfrm>
+          <a:prstGeom prst="rect">
+            <a:avLst/>
+          </a:prstGeom>
+          <a:ln w="12700">
+            <a:miter lim="400000"/>
+          </a:ln>
+          <a:extLst>
+            <a:ext uri="{C572A759-6A51-4108-AA02-DFA0A04FC94B}">
+              <ma14:wrappingTextBoxFlag xmlns:ma14="http://schemas.microsoft.com/office/mac/drawingml/2011/main" val="1"/>
+            </a:ext>
+          </a:extLst>
+        </p:spPr>
+        <p:txBody>
+          <a:bodyPr wrap="none" lIns="53578" tIns="53578" rIns="53578" bIns="53578" anchor="ctr">
+            <a:spAutoFit/>
+          </a:bodyPr>
+          <a:lstStyle/>
+          <a:p>
+            <a:pPr>
+              <a:defRPr sz="4600"/>
+            </a:pPr>
+            <a:r>
+              <a:t>兌換了</a:t>
+            </a:r>
+            <a:r>
+              <a:rPr b="1">
+                <a:latin typeface="Helvetica"/>
+                <a:ea typeface="Helvetica"/>
+                <a:cs typeface="Helvetica"/>
+                <a:sym typeface="Helvetica"/>
+              </a:rPr>
+              <a:t>紅利商品 - 茶葉蛋</a:t>
+            </a:r>
+          </a:p>
+        </p:txBody>
+      </p:sp>
+      <p:pic>
+        <p:nvPicPr>
+          <p:cNvPr id="157" name="pasted-image.jpeg"/>
+          <p:cNvPicPr>
+            <a:picLocks noChangeAspect="1"/>
+          </p:cNvPicPr>
+          <p:nvPr/>
+        </p:nvPicPr>
+        <p:blipFill>
+          <a:blip r:embed="rId2">
+            <a:extLst/>
+          </a:blip>
+          <a:stretch>
+            <a:fillRect/>
+          </a:stretch>
+        </p:blipFill>
+        <p:spPr>
+          <a:xfrm>
+            <a:off x="8467219" y="2775364"/>
+            <a:ext cx="2393134" cy="2393134"/>
+          </a:xfrm>
+          <a:prstGeom prst="rect">
+            <a:avLst/>
+          </a:prstGeom>
+          <a:ln w="12700">
+            <a:miter lim="400000"/>
+          </a:ln>
+        </p:spPr>
+      </p:pic>
+      <p:sp>
+        <p:nvSpPr>
+          <p:cNvPr id="158" name="Shape 158"/>
+          <p:cNvSpPr/>
+          <p:nvPr/>
+        </p:nvSpPr>
+        <p:spPr>
+          <a:xfrm>
+            <a:off x="11157764" y="2548812"/>
+            <a:ext cx="2452787" cy="996169"/>
+          </a:xfrm>
+          <a:prstGeom prst="rect">
+            <a:avLst/>
+          </a:prstGeom>
+          <a:ln w="12700">
+            <a:miter lim="400000"/>
+          </a:ln>
+          <a:extLst>
+            <a:ext uri="{C572A759-6A51-4108-AA02-DFA0A04FC94B}">
+              <ma14:wrappingTextBoxFlag xmlns:ma14="http://schemas.microsoft.com/office/mac/drawingml/2011/main" val="1"/>
+            </a:ext>
+          </a:extLst>
+        </p:spPr>
+        <p:txBody>
+          <a:bodyPr wrap="none" lIns="53578" tIns="53578" rIns="53578" bIns="53578" anchor="ctr">
+            <a:spAutoFit/>
+          </a:bodyPr>
+          <a:lstStyle/>
+          <a:p>
+            <a:pPr>
+              <a:defRPr sz="5800"/>
+            </a:pPr>
+            <a:r>
+              <a:rPr b="1">
+                <a:latin typeface="Helvetica"/>
+                <a:ea typeface="Helvetica"/>
+                <a:cs typeface="Helvetica"/>
+                <a:sym typeface="Helvetica"/>
+              </a:rPr>
+              <a:t>Roger</a:t>
+            </a:r>
+            <a:r>
+              <a:t> </a:t>
+            </a:r>
+          </a:p>
+        </p:txBody>
+      </p:sp>
+      <p:sp>
+        <p:nvSpPr>
+          <p:cNvPr id="159" name="Shape 159"/>
+          <p:cNvSpPr/>
+          <p:nvPr/>
+        </p:nvSpPr>
+        <p:spPr>
+          <a:xfrm>
+            <a:off x="15259191" y="4569793"/>
+            <a:ext cx="5058841" cy="856457"/>
+          </a:xfrm>
+          <a:prstGeom prst="rect">
+            <a:avLst/>
+          </a:prstGeom>
+          <a:ln w="12700">
+            <a:miter lim="400000"/>
+          </a:ln>
+          <a:extLst>
+            <a:ext uri="{C572A759-6A51-4108-AA02-DFA0A04FC94B}">
+              <ma14:wrappingTextBoxFlag xmlns:ma14="http://schemas.microsoft.com/office/mac/drawingml/2011/main" val="1"/>
+            </a:ext>
+          </a:extLst>
+        </p:spPr>
+        <p:txBody>
+          <a:bodyPr wrap="none" lIns="53578" tIns="53578" rIns="53578" bIns="53578" anchor="ctr">
+            <a:spAutoFit/>
+          </a:bodyPr>
+          <a:lstStyle/>
+          <a:p>
+            <a:pPr>
+              <a:defRPr sz="4200"/>
+            </a:pPr>
+            <a:r>
+              <a:t>- 於</a:t>
+            </a:r>
+            <a:r>
+              <a:rPr b="1">
+                <a:latin typeface="Helvetica"/>
+                <a:ea typeface="Helvetica"/>
+                <a:cs typeface="Helvetica"/>
+                <a:sym typeface="Helvetica"/>
+              </a:rPr>
+              <a:t>公館捷運1號ATM</a:t>
+            </a:r>
+          </a:p>
+        </p:txBody>
+      </p:sp>
+      <p:sp>
+        <p:nvSpPr>
+          <p:cNvPr id="160" name="Shape 160"/>
+          <p:cNvSpPr/>
+          <p:nvPr/>
+        </p:nvSpPr>
+        <p:spPr>
+          <a:xfrm>
+            <a:off x="11250927" y="4658693"/>
+            <a:ext cx="3869333" cy="678657"/>
+          </a:xfrm>
+          <a:prstGeom prst="rect">
+            <a:avLst/>
+          </a:prstGeom>
+          <a:ln w="12700">
+            <a:miter lim="400000"/>
+          </a:ln>
+          <a:extLst>
+            <a:ext uri="{C572A759-6A51-4108-AA02-DFA0A04FC94B}">
+              <ma14:wrappingTextBoxFlag xmlns:ma14="http://schemas.microsoft.com/office/mac/drawingml/2011/main" val="1"/>
+            </a:ext>
+          </a:extLst>
+        </p:spPr>
+        <p:txBody>
+          <a:bodyPr wrap="none" lIns="53578" tIns="53578" rIns="53578" bIns="53578" anchor="ctr">
+            <a:spAutoFit/>
+          </a:bodyPr>
+          <a:lstStyle>
+            <a:lvl1pPr>
+              <a:defRPr sz="3200">
+                <a:solidFill>
+                  <a:schemeClr val="accent2"/>
+                </a:solidFill>
+                <a:latin typeface="Arial Black"/>
+                <a:ea typeface="Arial Black"/>
+                <a:cs typeface="Arial Black"/>
+                <a:sym typeface="Arial Black"/>
+              </a:defRPr>
+            </a:lvl1pPr>
+          </a:lstStyle>
+          <a:p>
+            <a:pPr/>
+            <a:r>
+              <a:t>2015/05/27 20:48</a:t>
+            </a:r>
+          </a:p>
+        </p:txBody>
+      </p:sp>
+      <p:sp>
+        <p:nvSpPr>
+          <p:cNvPr id="161" name="Shape 161"/>
+          <p:cNvSpPr/>
+          <p:nvPr/>
+        </p:nvSpPr>
+        <p:spPr>
+          <a:xfrm>
+            <a:off x="11155842" y="3635508"/>
+            <a:ext cx="7196272" cy="932657"/>
+          </a:xfrm>
+          <a:prstGeom prst="rect">
+            <a:avLst/>
+          </a:prstGeom>
+          <a:ln w="12700">
+            <a:miter lim="400000"/>
+          </a:ln>
+          <a:extLst>
+            <a:ext uri="{C572A759-6A51-4108-AA02-DFA0A04FC94B}">
+              <ma14:wrappingTextBoxFlag xmlns:ma14="http://schemas.microsoft.com/office/mac/drawingml/2011/main" val="1"/>
+            </a:ext>
+          </a:extLst>
+        </p:spPr>
+        <p:txBody>
+          <a:bodyPr wrap="none" lIns="53578" tIns="53578" rIns="53578" bIns="53578" anchor="ctr">
+            <a:spAutoFit/>
+          </a:bodyPr>
+          <a:lstStyle/>
+          <a:p>
+            <a:pPr>
+              <a:defRPr sz="4600"/>
+            </a:pPr>
+            <a:r>
+              <a:t>從</a:t>
+            </a:r>
+            <a:r>
+              <a:rPr b="1">
+                <a:latin typeface="Helvetica"/>
+                <a:ea typeface="Helvetica"/>
+                <a:cs typeface="Helvetica"/>
+                <a:sym typeface="Helvetica"/>
+              </a:rPr>
+              <a:t>台幣存款戶</a:t>
+            </a:r>
+            <a:r>
+              <a:t> - 提款1000元</a:t>
+            </a:r>
+          </a:p>
+        </p:txBody>
+      </p:sp>
+      <p:sp>
+        <p:nvSpPr>
+          <p:cNvPr id="162" name="Shape 162"/>
+          <p:cNvSpPr/>
+          <p:nvPr/>
+        </p:nvSpPr>
+        <p:spPr>
+          <a:xfrm>
+            <a:off x="2350833" y="1146571"/>
+            <a:ext cx="7608987" cy="1135857"/>
+          </a:xfrm>
+          <a:prstGeom prst="rect">
+            <a:avLst/>
+          </a:prstGeom>
+          <a:ln w="12700">
+            <a:miter lim="400000"/>
+          </a:ln>
+          <a:extLst>
+            <a:ext uri="{C572A759-6A51-4108-AA02-DFA0A04FC94B}">
+              <ma14:wrappingTextBoxFlag xmlns:ma14="http://schemas.microsoft.com/office/mac/drawingml/2011/main" val="1"/>
+            </a:ext>
+          </a:extLst>
+        </p:spPr>
+        <p:txBody>
+          <a:bodyPr wrap="none" lIns="53578" tIns="53578" rIns="53578" bIns="53578" anchor="ctr">
+            <a:spAutoFit/>
+          </a:bodyPr>
+          <a:lstStyle/>
+          <a:p>
+            <a:pPr>
+              <a:defRPr sz="5800"/>
+            </a:pPr>
+            <a:r>
+              <a:t>客戶</a:t>
+            </a:r>
+            <a:r>
+              <a:rPr b="1">
+                <a:latin typeface="Helvetica"/>
+                <a:ea typeface="Helvetica"/>
+                <a:cs typeface="Helvetica"/>
+                <a:sym typeface="Helvetica"/>
+              </a:rPr>
+              <a:t>Roger</a:t>
+            </a:r>
+            <a:r>
+              <a:t>活動事件流 </a:t>
+            </a:r>
+          </a:p>
+        </p:txBody>
+      </p:sp>
+      <p:sp>
+        <p:nvSpPr>
+          <p:cNvPr id="163" name="Shape 163"/>
+          <p:cNvSpPr/>
+          <p:nvPr/>
+        </p:nvSpPr>
+        <p:spPr>
+          <a:xfrm flipV="1">
+            <a:off x="4101702" y="2871364"/>
+            <a:ext cx="1" cy="8868720"/>
+          </a:xfrm>
+          <a:prstGeom prst="line">
+            <a:avLst/>
+          </a:prstGeom>
+          <a:ln w="25400" cap="rnd">
+            <a:solidFill>
+              <a:srgbClr val="000000"/>
+            </a:solidFill>
+            <a:custDash>
+              <a:ds d="100000" sp="200000"/>
+            </a:custDash>
+            <a:miter lim="400000"/>
+            <a:tailEnd type="triangle"/>
+          </a:ln>
+        </p:spPr>
+        <p:txBody>
+          <a:bodyPr lIns="53578" tIns="53578" rIns="53578" bIns="53578" anchor="ctr"/>
+          <a:lstStyle/>
+          <a:p>
+            <a:pPr>
+              <a:defRPr sz="3000"/>
+            </a:pPr>
+          </a:p>
+        </p:txBody>
+      </p:sp>
+      <p:sp>
+        <p:nvSpPr>
+          <p:cNvPr id="164" name="Shape 164"/>
+          <p:cNvSpPr/>
+          <p:nvPr/>
+        </p:nvSpPr>
+        <p:spPr>
+          <a:xfrm>
+            <a:off x="4441859" y="10681890"/>
+            <a:ext cx="1093719" cy="805657"/>
+          </a:xfrm>
+          <a:prstGeom prst="rect">
+            <a:avLst/>
+          </a:prstGeom>
+          <a:ln w="12700">
+            <a:miter lim="400000"/>
+          </a:ln>
+          <a:extLst>
+            <a:ext uri="{C572A759-6A51-4108-AA02-DFA0A04FC94B}">
+              <ma14:wrappingTextBoxFlag xmlns:ma14="http://schemas.microsoft.com/office/mac/drawingml/2011/main" val="1"/>
+            </a:ext>
+          </a:extLst>
+        </p:spPr>
+        <p:txBody>
+          <a:bodyPr wrap="none" lIns="53578" tIns="53578" rIns="53578" bIns="53578" anchor="ctr">
+            <a:spAutoFit/>
+          </a:bodyPr>
+          <a:lstStyle>
+            <a:lvl1pPr>
+              <a:defRPr sz="4600"/>
+            </a:lvl1pPr>
+          </a:lstStyle>
+          <a:p>
+            <a:pPr/>
+            <a:r>
+              <a:t>old </a:t>
+            </a:r>
+          </a:p>
+        </p:txBody>
+      </p:sp>
+      <p:sp>
+        <p:nvSpPr>
+          <p:cNvPr id="165" name="Shape 165"/>
+          <p:cNvSpPr/>
+          <p:nvPr/>
+        </p:nvSpPr>
+        <p:spPr>
+          <a:xfrm>
+            <a:off x="4207963" y="2644068"/>
+            <a:ext cx="2133011" cy="805657"/>
+          </a:xfrm>
+          <a:prstGeom prst="rect">
+            <a:avLst/>
+          </a:prstGeom>
+          <a:ln w="12700">
+            <a:miter lim="400000"/>
+          </a:ln>
+          <a:extLst>
+            <a:ext uri="{C572A759-6A51-4108-AA02-DFA0A04FC94B}">
+              <ma14:wrappingTextBoxFlag xmlns:ma14="http://schemas.microsoft.com/office/mac/drawingml/2011/main" val="1"/>
+            </a:ext>
+          </a:extLst>
+        </p:spPr>
+        <p:txBody>
+          <a:bodyPr wrap="none" lIns="53578" tIns="53578" rIns="53578" bIns="53578" anchor="ctr">
+            <a:spAutoFit/>
+          </a:bodyPr>
+          <a:lstStyle>
+            <a:lvl1pPr>
+              <a:defRPr sz="4600"/>
+            </a:lvl1pPr>
+          </a:lstStyle>
+          <a:p>
+            <a:pPr/>
+            <a:r>
+              <a:t>newest </a:t>
+            </a:r>
+          </a:p>
+        </p:txBody>
+      </p:sp>
     </p:spTree>
   </p:cSld>
   <p:clrMapOvr>
@@ -12342,45 +13248,68 @@
           <a:chExt cx="0" cy="0"/>
         </a:xfrm>
       </p:grpSpPr>
-      <p:pic>
-        <p:nvPicPr>
-          <p:cNvPr id="151" name="pasted-image.jpeg"/>
-          <p:cNvPicPr>
-            <a:picLocks noChangeAspect="1"/>
-          </p:cNvPicPr>
+      <p:sp>
+        <p:nvSpPr>
+          <p:cNvPr id="167" name="Shape 167"/>
+          <p:cNvSpPr/>
           <p:nvPr/>
-        </p:nvPicPr>
-        <p:blipFill>
-          <a:blip r:embed="rId2">
-            <a:extLst/>
-          </a:blip>
-          <a:stretch>
-            <a:fillRect/>
-          </a:stretch>
-        </p:blipFill>
+        </p:nvSpPr>
         <p:spPr>
           <a:xfrm>
-            <a:off x="8439941" y="9116821"/>
-            <a:ext cx="2447690" cy="2447690"/>
+            <a:off x="6873106" y="5353645"/>
+            <a:ext cx="2255789" cy="1749624"/>
           </a:xfrm>
-          <a:prstGeom prst="rect">
-            <a:avLst/>
-          </a:prstGeom>
+          <a:prstGeom prst="ellipse">
+            <a:avLst/>
+          </a:prstGeom>
+          <a:blipFill>
+            <a:blip r:embed="rId2"/>
+          </a:blipFill>
           <a:ln w="12700">
             <a:miter lim="400000"/>
           </a:ln>
-        </p:spPr>
-      </p:pic>
+          <a:effectLst>
+            <a:outerShdw sx="100000" sy="100000" kx="0" ky="0" algn="b" rotWithShape="0" blurRad="25400" dist="0" dir="0">
+              <a:srgbClr val="000000">
+                <a:alpha val="50000"/>
+              </a:srgbClr>
+            </a:outerShdw>
+          </a:effectLst>
+          <a:extLst>
+            <a:ext uri="{C572A759-6A51-4108-AA02-DFA0A04FC94B}">
+              <ma14:wrappingTextBoxFlag xmlns:ma14="http://schemas.microsoft.com/office/mac/drawingml/2011/main" val="1"/>
+            </a:ext>
+          </a:extLst>
+        </p:spPr>
+        <p:txBody>
+          <a:bodyPr lIns="53578" tIns="53578" rIns="53578" bIns="53578" anchor="ctr"/>
+          <a:lstStyle>
+            <a:lvl1pPr>
+              <a:defRPr sz="3000">
+                <a:solidFill>
+                  <a:srgbClr val="FFFFFF"/>
+                </a:solidFill>
+              </a:defRPr>
+            </a:lvl1pPr>
+          </a:lstStyle>
+          <a:p>
+            <a:pPr/>
+            <a:r>
+              <a:t>Actor</a:t>
+            </a:r>
+          </a:p>
+        </p:txBody>
+      </p:sp>
       <p:sp>
         <p:nvSpPr>
-          <p:cNvPr id="152" name="Shape 152"/>
+          <p:cNvPr id="168" name="Shape 168"/>
           <p:cNvSpPr/>
           <p:nvPr/>
         </p:nvSpPr>
         <p:spPr>
           <a:xfrm>
-            <a:off x="11359743" y="8914620"/>
-            <a:ext cx="2508703" cy="1018878"/>
+            <a:off x="4837493" y="5000128"/>
+            <a:ext cx="2100295" cy="2456658"/>
           </a:xfrm>
           <a:prstGeom prst="rect">
             <a:avLst/>
@@ -12395,37 +13324,152 @@
           </a:extLst>
         </p:spPr>
         <p:txBody>
-          <a:bodyPr lIns="53578" tIns="53578" rIns="53578" bIns="53578" anchor="ctr"/>
+          <a:bodyPr wrap="none" lIns="53578" tIns="53578" rIns="53578" bIns="53578" anchor="ctr">
+            <a:spAutoFit/>
+          </a:bodyPr>
           <a:lstStyle/>
           <a:p>
             <a:pPr>
-              <a:defRPr sz="5800"/>
-            </a:pPr>
-            <a:r>
-              <a:rPr b="1">
-                <a:latin typeface="Helvetica"/>
-                <a:ea typeface="Helvetica"/>
-                <a:cs typeface="Helvetica"/>
-                <a:sym typeface="Helvetica"/>
-              </a:rPr>
-              <a:t>Roger</a:t>
-            </a:r>
-            <a:r>
-              <a:t> </a:t>
+              <a:defRPr sz="4600"/>
+            </a:pPr>
+            <a:r>
+              <a:t>客戶</a:t>
+            </a:r>
+          </a:p>
+          <a:p>
+            <a:pPr>
+              <a:defRPr sz="4600"/>
+            </a:pPr>
+            <a:r>
+              <a:t>Cookie</a:t>
+            </a:r>
+          </a:p>
+          <a:p>
+            <a:pPr>
+              <a:defRPr sz="4600"/>
+            </a:pPr>
+            <a:r>
+              <a:t>員工</a:t>
             </a:r>
           </a:p>
         </p:txBody>
       </p:sp>
       <p:sp>
         <p:nvSpPr>
-          <p:cNvPr id="153" name="Shape 153"/>
+          <p:cNvPr id="169" name="Shape 169"/>
           <p:cNvSpPr/>
           <p:nvPr/>
         </p:nvSpPr>
         <p:spPr>
           <a:xfrm>
-            <a:off x="15164909" y="10870800"/>
-            <a:ext cx="3183724" cy="875982"/>
+            <a:off x="15549562" y="5320754"/>
+            <a:ext cx="2392562" cy="1815406"/>
+          </a:xfrm>
+          <a:prstGeom prst="ellipse">
+            <a:avLst/>
+          </a:prstGeom>
+          <a:blipFill>
+            <a:blip r:embed="rId2"/>
+          </a:blipFill>
+          <a:ln w="12700">
+            <a:miter lim="400000"/>
+          </a:ln>
+          <a:effectLst>
+            <a:outerShdw sx="100000" sy="100000" kx="0" ky="0" algn="b" rotWithShape="0" blurRad="25400" dist="0" dir="0">
+              <a:srgbClr val="000000">
+                <a:alpha val="50000"/>
+              </a:srgbClr>
+            </a:outerShdw>
+          </a:effectLst>
+          <a:extLst>
+            <a:ext uri="{C572A759-6A51-4108-AA02-DFA0A04FC94B}">
+              <ma14:wrappingTextBoxFlag xmlns:ma14="http://schemas.microsoft.com/office/mac/drawingml/2011/main" val="1"/>
+            </a:ext>
+          </a:extLst>
+        </p:spPr>
+        <p:txBody>
+          <a:bodyPr lIns="53578" tIns="53578" rIns="53578" bIns="53578" anchor="ctr"/>
+          <a:lstStyle>
+            <a:lvl1pPr>
+              <a:defRPr sz="3000">
+                <a:solidFill>
+                  <a:srgbClr val="FFFFFF"/>
+                </a:solidFill>
+              </a:defRPr>
+            </a:lvl1pPr>
+          </a:lstStyle>
+          <a:p>
+            <a:pPr/>
+            <a:r>
+              <a:t>object</a:t>
+            </a:r>
+          </a:p>
+        </p:txBody>
+      </p:sp>
+      <p:sp>
+        <p:nvSpPr>
+          <p:cNvPr id="170" name="Shape 170"/>
+          <p:cNvSpPr/>
+          <p:nvPr/>
+        </p:nvSpPr>
+        <p:spPr>
+          <a:xfrm>
+            <a:off x="11346287" y="5752207"/>
+            <a:ext cx="2387942" cy="952501"/>
+          </a:xfrm>
+          <a:prstGeom prst="roundRect">
+            <a:avLst>
+              <a:gd name="adj" fmla="val 15000"/>
+            </a:avLst>
+          </a:prstGeom>
+          <a:blipFill>
+            <a:blip r:embed="rId3"/>
+          </a:blipFill>
+          <a:ln w="12700">
+            <a:miter lim="400000"/>
+          </a:ln>
+          <a:effectLst>
+            <a:outerShdw sx="100000" sy="100000" kx="0" ky="0" algn="b" rotWithShape="0" blurRad="25400" dist="12700" dir="5400000">
+              <a:srgbClr val="000000">
+                <a:alpha val="50000"/>
+              </a:srgbClr>
+            </a:outerShdw>
+          </a:effectLst>
+          <a:extLst>
+            <a:ext uri="{C572A759-6A51-4108-AA02-DFA0A04FC94B}">
+              <ma14:wrappingTextBoxFlag xmlns:ma14="http://schemas.microsoft.com/office/mac/drawingml/2011/main" val="1"/>
+            </a:ext>
+          </a:extLst>
+        </p:spPr>
+        <p:txBody>
+          <a:bodyPr lIns="53578" tIns="53578" rIns="53578" bIns="53578" anchor="ctr"/>
+          <a:lstStyle>
+            <a:lvl1pPr>
+              <a:defRPr sz="3000">
+                <a:solidFill>
+                  <a:srgbClr val="FFFFFF"/>
+                </a:solidFill>
+              </a:defRPr>
+            </a:lvl1pPr>
+          </a:lstStyle>
+          <a:p>
+            <a:pPr/>
+            <a:r>
+              <a:t>Action</a:t>
+            </a:r>
+          </a:p>
+        </p:txBody>
+      </p:sp>
+      <p:sp>
+        <p:nvSpPr>
+          <p:cNvPr id="171" name="Shape 171"/>
+          <p:cNvSpPr/>
+          <p:nvPr/>
+        </p:nvSpPr>
+        <p:spPr>
+          <a:xfrm>
+            <a:off x="10371293" y="3124993"/>
+            <a:ext cx="1450664" cy="1758158"/>
           </a:xfrm>
           <a:prstGeom prst="rect">
             <a:avLst/>
@@ -12440,37 +13484,38 @@
           </a:extLst>
         </p:spPr>
         <p:txBody>
-          <a:bodyPr lIns="53578" tIns="53578" rIns="53578" bIns="53578" anchor="ctr"/>
+          <a:bodyPr wrap="none" lIns="53578" tIns="53578" rIns="53578" bIns="53578" anchor="ctr">
+            <a:spAutoFit/>
+          </a:bodyPr>
           <a:lstStyle/>
           <a:p>
             <a:pPr>
-              <a:defRPr sz="4200"/>
-            </a:pPr>
-            <a:r>
-              <a:t>- 於</a:t>
-            </a:r>
-            <a:r>
-              <a:rPr b="1">
-                <a:latin typeface="Helvetica"/>
-                <a:ea typeface="Helvetica"/>
-                <a:cs typeface="Helvetica"/>
-                <a:sym typeface="Helvetica"/>
-              </a:rPr>
-              <a:t>信義分行</a:t>
+              <a:defRPr sz="4600"/>
+            </a:pPr>
+            <a:r>
+              <a:t>開戶</a:t>
+            </a:r>
+          </a:p>
+          <a:p>
+            <a:pPr>
+              <a:defRPr sz="4600"/>
+            </a:pPr>
+            <a:r>
+              <a:t>開卡</a:t>
             </a:r>
           </a:p>
         </p:txBody>
       </p:sp>
       <p:sp>
         <p:nvSpPr>
-          <p:cNvPr id="154" name="Shape 154"/>
+          <p:cNvPr id="172" name="Shape 172"/>
           <p:cNvSpPr/>
           <p:nvPr/>
         </p:nvSpPr>
         <p:spPr>
           <a:xfrm>
-            <a:off x="11345446" y="10961727"/>
-            <a:ext cx="3680296" cy="694128"/>
+            <a:off x="18094798" y="4523878"/>
+            <a:ext cx="2619065" cy="3409158"/>
           </a:xfrm>
           <a:prstGeom prst="rect">
             <a:avLst/>
@@ -12485,38 +13530,54 @@
           </a:extLst>
         </p:spPr>
         <p:txBody>
-          <a:bodyPr lIns="53578" tIns="53578" rIns="53578" bIns="53578" anchor="ctr"/>
-          <a:lstStyle>
-            <a:lvl1pPr>
-              <a:defRPr sz="3200">
-                <a:solidFill>
-                  <a:schemeClr val="accent2"/>
-                </a:solidFill>
-                <a:latin typeface="Arial Black"/>
-                <a:ea typeface="Arial Black"/>
-                <a:cs typeface="Arial Black"/>
-                <a:sym typeface="Arial Black"/>
-              </a:defRPr>
-            </a:lvl1pPr>
-          </a:lstStyle>
-          <a:p>
-            <a:pPr/>
-            <a:r>
-              <a:t>2015/02/29 9:34</a:t>
+          <a:bodyPr wrap="none" lIns="53578" tIns="53578" rIns="53578" bIns="53578" anchor="ctr">
+            <a:spAutoFit/>
+          </a:bodyPr>
+          <a:lstStyle/>
+          <a:p>
+            <a:pPr>
+              <a:defRPr sz="4600"/>
+            </a:pPr>
+            <a:r>
+              <a:t>帳戶</a:t>
+            </a:r>
+          </a:p>
+          <a:p>
+            <a:pPr>
+              <a:defRPr sz="4600"/>
+            </a:pPr>
+            <a:r>
+              <a:t>消費店家</a:t>
+            </a:r>
+          </a:p>
+          <a:p>
+            <a:pPr>
+              <a:defRPr sz="4600"/>
+            </a:pPr>
+            <a:r>
+              <a:t>商品</a:t>
+            </a:r>
+          </a:p>
+          <a:p>
+            <a:pPr>
+              <a:defRPr sz="4600"/>
+            </a:pPr>
+            <a:r>
+              <a:t>其他客戶</a:t>
             </a:r>
           </a:p>
         </p:txBody>
       </p:sp>
       <p:sp>
         <p:nvSpPr>
-          <p:cNvPr id="155" name="Shape 155"/>
+          <p:cNvPr id="173" name="Shape 173"/>
           <p:cNvSpPr/>
           <p:nvPr/>
         </p:nvSpPr>
         <p:spPr>
           <a:xfrm>
-            <a:off x="11307428" y="10054207"/>
-            <a:ext cx="7226477" cy="953918"/>
+            <a:off x="14963141" y="3124993"/>
+            <a:ext cx="1450665" cy="1758158"/>
           </a:xfrm>
           <a:prstGeom prst="rect">
             <a:avLst/>
@@ -12531,78 +13592,38 @@
           </a:extLst>
         </p:spPr>
         <p:txBody>
-          <a:bodyPr lIns="53578" tIns="53578" rIns="53578" bIns="53578" anchor="ctr"/>
+          <a:bodyPr wrap="none" lIns="53578" tIns="53578" rIns="53578" bIns="53578" anchor="ctr">
+            <a:spAutoFit/>
+          </a:bodyPr>
           <a:lstStyle/>
           <a:p>
             <a:pPr>
               <a:defRPr sz="4600"/>
             </a:pPr>
             <a:r>
-              <a:t>開辦了</a:t>
-            </a:r>
-            <a:r>
-              <a:rPr b="1">
-                <a:latin typeface="Helvetica"/>
-                <a:ea typeface="Helvetica"/>
-                <a:cs typeface="Helvetica"/>
-                <a:sym typeface="Helvetica"/>
-              </a:rPr>
-              <a:t>信用卡戶</a:t>
-            </a:r>
-            <a:r>
-              <a:t> - </a:t>
-            </a:r>
-            <a:r>
-              <a:rPr b="1">
-                <a:latin typeface="Helvetica"/>
-                <a:ea typeface="Helvetica"/>
-                <a:cs typeface="Helvetica"/>
-                <a:sym typeface="Helvetica"/>
-              </a:rPr>
-              <a:t>長榮無限</a:t>
+              <a:t>瀏覽</a:t>
+            </a:r>
+          </a:p>
+          <a:p>
+            <a:pPr>
+              <a:defRPr sz="4600"/>
+            </a:pPr>
+            <a:r>
+              <a:t>點擊</a:t>
             </a:r>
           </a:p>
         </p:txBody>
       </p:sp>
-      <p:pic>
-        <p:nvPicPr>
-          <p:cNvPr id="156" name="pasted-image.jpeg"/>
-          <p:cNvPicPr>
-            <a:picLocks noChangeAspect="1"/>
-          </p:cNvPicPr>
-          <p:nvPr/>
-        </p:nvPicPr>
-        <p:blipFill>
-          <a:blip r:embed="rId2">
-            <a:extLst/>
-          </a:blip>
-          <a:stretch>
-            <a:fillRect/>
-          </a:stretch>
-        </p:blipFill>
-        <p:spPr>
-          <a:xfrm>
-            <a:off x="8467219" y="5661433"/>
-            <a:ext cx="2393134" cy="2393134"/>
-          </a:xfrm>
-          <a:prstGeom prst="rect">
-            <a:avLst/>
-          </a:prstGeom>
-          <a:ln w="12700">
-            <a:miter lim="400000"/>
-          </a:ln>
-        </p:spPr>
-      </p:pic>
       <p:sp>
         <p:nvSpPr>
-          <p:cNvPr id="157" name="Shape 157"/>
+          <p:cNvPr id="174" name="Shape 174"/>
           <p:cNvSpPr/>
           <p:nvPr/>
         </p:nvSpPr>
         <p:spPr>
           <a:xfrm>
-            <a:off x="11157763" y="5595446"/>
-            <a:ext cx="2452788" cy="996169"/>
+            <a:off x="11629258" y="3124993"/>
+            <a:ext cx="1872457" cy="1758158"/>
           </a:xfrm>
           <a:prstGeom prst="rect">
             <a:avLst/>
@@ -12623,33 +13644,84 @@
           <a:lstStyle/>
           <a:p>
             <a:pPr>
-              <a:defRPr sz="5800"/>
-            </a:pPr>
-            <a:r>
-              <a:rPr b="1">
-                <a:latin typeface="Helvetica"/>
-                <a:ea typeface="Helvetica"/>
-                <a:cs typeface="Helvetica"/>
-                <a:sym typeface="Helvetica"/>
-              </a:rPr>
-              <a:t>Roger</a:t>
-            </a:r>
-            <a:r>
-              <a:t> </a:t>
+              <a:defRPr sz="4600"/>
+            </a:pPr>
+            <a:r>
+              <a:t>刷卡</a:t>
+            </a:r>
+          </a:p>
+          <a:p>
+            <a:pPr>
+              <a:defRPr sz="4600"/>
+            </a:pPr>
+            <a:r>
+              <a:t>買產品</a:t>
             </a:r>
           </a:p>
         </p:txBody>
       </p:sp>
       <p:sp>
         <p:nvSpPr>
-          <p:cNvPr id="158" name="Shape 158"/>
+          <p:cNvPr id="175" name="Shape 175"/>
           <p:cNvSpPr/>
           <p:nvPr/>
         </p:nvSpPr>
         <p:spPr>
           <a:xfrm>
-            <a:off x="15164909" y="7529996"/>
-            <a:ext cx="3943597" cy="856457"/>
+            <a:off x="9014221" y="8167389"/>
+            <a:ext cx="2021683" cy="1482925"/>
+          </a:xfrm>
+          <a:prstGeom prst="rect">
+            <a:avLst/>
+          </a:prstGeom>
+          <a:solidFill>
+            <a:schemeClr val="accent6"/>
+          </a:solidFill>
+          <a:ln w="12700">
+            <a:miter lim="400000"/>
+          </a:ln>
+          <a:effectLst>
+            <a:outerShdw sx="100000" sy="100000" kx="0" ky="0" algn="b" rotWithShape="0" blurRad="25400" dist="12700" dir="5400000">
+              <a:srgbClr val="000000">
+                <a:alpha val="50000"/>
+              </a:srgbClr>
+            </a:outerShdw>
+          </a:effectLst>
+          <a:extLst>
+            <a:ext uri="{C572A759-6A51-4108-AA02-DFA0A04FC94B}">
+              <ma14:wrappingTextBoxFlag xmlns:ma14="http://schemas.microsoft.com/office/mac/drawingml/2011/main" val="1"/>
+            </a:ext>
+          </a:extLst>
+        </p:spPr>
+        <p:txBody>
+          <a:bodyPr lIns="53578" tIns="53578" rIns="53578" bIns="53578" anchor="ctr"/>
+          <a:lstStyle>
+            <a:lvl1pPr>
+              <a:defRPr sz="3000">
+                <a:solidFill>
+                  <a:srgbClr val="FFFFFF"/>
+                </a:solidFill>
+              </a:defRPr>
+            </a:lvl1pPr>
+          </a:lstStyle>
+          <a:p>
+            <a:pPr/>
+            <a:r>
+              <a:t>Time</a:t>
+            </a:r>
+          </a:p>
+        </p:txBody>
+      </p:sp>
+      <p:sp>
+        <p:nvSpPr>
+          <p:cNvPr id="176" name="Shape 176"/>
+          <p:cNvSpPr/>
+          <p:nvPr/>
+        </p:nvSpPr>
+        <p:spPr>
+          <a:xfrm>
+            <a:off x="6772671" y="7706816"/>
+            <a:ext cx="2456658" cy="4234657"/>
           </a:xfrm>
           <a:prstGeom prst="rect">
             <a:avLst/>
@@ -12670,33 +13742,56 @@
           <a:lstStyle/>
           <a:p>
             <a:pPr>
-              <a:defRPr sz="4200"/>
-            </a:pPr>
-            <a:r>
-              <a:t>- 於</a:t>
-            </a:r>
-            <a:r>
-              <a:rPr b="1">
-                <a:latin typeface="Helvetica"/>
-                <a:ea typeface="Helvetica"/>
-                <a:cs typeface="Helvetica"/>
-                <a:sym typeface="Helvetica"/>
-              </a:rPr>
-              <a:t>MyRewards</a:t>
+              <a:defRPr sz="4600"/>
+            </a:pPr>
+            <a:r>
+              <a:t>日期</a:t>
+            </a:r>
+          </a:p>
+          <a:p>
+            <a:pPr>
+              <a:defRPr sz="4600"/>
+            </a:pPr>
+            <a:r>
+              <a:t>時間</a:t>
+            </a:r>
+          </a:p>
+          <a:p>
+            <a:pPr>
+              <a:defRPr sz="4600"/>
+            </a:pPr>
+            <a:r>
+              <a:t>早中晚</a:t>
+            </a:r>
+          </a:p>
+          <a:p>
+            <a:pPr>
+              <a:defRPr sz="4600"/>
+            </a:pPr>
+            <a:r>
+              <a:t>星期幾</a:t>
+            </a:r>
+          </a:p>
+          <a:p>
+            <a:pPr>
+              <a:defRPr sz="4600"/>
+            </a:pPr>
+            <a:r>
+              <a:t>特定節日</a:t>
             </a:r>
           </a:p>
         </p:txBody>
       </p:sp>
       <p:sp>
         <p:nvSpPr>
-          <p:cNvPr id="159" name="Shape 159"/>
+          <p:cNvPr id="177" name="Shape 177"/>
           <p:cNvSpPr/>
           <p:nvPr/>
         </p:nvSpPr>
         <p:spPr>
           <a:xfrm>
-            <a:off x="11250927" y="7618896"/>
-            <a:ext cx="3869334" cy="678657"/>
+            <a:off x="13195511" y="3124993"/>
+            <a:ext cx="2034865" cy="1758158"/>
           </a:xfrm>
           <a:prstGeom prst="rect">
             <a:avLst/>
@@ -12714,37 +13809,87 @@
           <a:bodyPr wrap="none" lIns="53578" tIns="53578" rIns="53578" bIns="53578" anchor="ctr">
             <a:spAutoFit/>
           </a:bodyPr>
-          <a:lstStyle>
-            <a:lvl1pPr>
-              <a:defRPr sz="3200">
-                <a:solidFill>
-                  <a:schemeClr val="accent2"/>
-                </a:solidFill>
-                <a:latin typeface="Arial Black"/>
-                <a:ea typeface="Arial Black"/>
-                <a:cs typeface="Arial Black"/>
-                <a:sym typeface="Arial Black"/>
-              </a:defRPr>
-            </a:lvl1pPr>
-          </a:lstStyle>
-          <a:p>
-            <a:pPr/>
-            <a:r>
-              <a:t>2015/04/29 12:08</a:t>
+          <a:lstStyle/>
+          <a:p>
+            <a:pPr>
+              <a:defRPr sz="4600"/>
+            </a:pPr>
+            <a:r>
+              <a:t>打客服</a:t>
+            </a:r>
+          </a:p>
+          <a:p>
+            <a:pPr>
+              <a:defRPr sz="4600"/>
+            </a:pPr>
+            <a:r>
+              <a:t>領錢</a:t>
             </a:r>
           </a:p>
         </p:txBody>
       </p:sp>
       <p:sp>
         <p:nvSpPr>
-          <p:cNvPr id="160" name="Shape 160"/>
+          <p:cNvPr id="178" name="Shape 178"/>
           <p:cNvSpPr/>
           <p:nvPr/>
         </p:nvSpPr>
         <p:spPr>
           <a:xfrm>
-            <a:off x="11308806" y="6638927"/>
-            <a:ext cx="6481019" cy="932657"/>
+            <a:off x="14070806" y="8167389"/>
+            <a:ext cx="1828875" cy="1482925"/>
+          </a:xfrm>
+          <a:prstGeom prst="rect">
+            <a:avLst/>
+          </a:prstGeom>
+          <a:solidFill>
+            <a:schemeClr val="accent4"/>
+          </a:solidFill>
+          <a:ln w="12700">
+            <a:miter lim="400000"/>
+          </a:ln>
+          <a:effectLst>
+            <a:outerShdw sx="100000" sy="100000" kx="0" ky="0" algn="b" rotWithShape="0" blurRad="25400" dist="12700" dir="5400000">
+              <a:srgbClr val="000000">
+                <a:alpha val="50000"/>
+              </a:srgbClr>
+            </a:outerShdw>
+          </a:effectLst>
+          <a:extLst>
+            <a:ext uri="{C572A759-6A51-4108-AA02-DFA0A04FC94B}">
+              <ma14:wrappingTextBoxFlag xmlns:ma14="http://schemas.microsoft.com/office/mac/drawingml/2011/main" val="1"/>
+            </a:ext>
+          </a:extLst>
+        </p:spPr>
+        <p:txBody>
+          <a:bodyPr lIns="53578" tIns="53578" rIns="53578" bIns="53578" anchor="ctr"/>
+          <a:lstStyle>
+            <a:lvl1pPr>
+              <a:defRPr sz="3000">
+                <a:solidFill>
+                  <a:srgbClr val="FFFFFF"/>
+                </a:solidFill>
+              </a:defRPr>
+            </a:lvl1pPr>
+          </a:lstStyle>
+          <a:p>
+            <a:pPr/>
+            <a:r>
+              <a:t>Channel</a:t>
+            </a:r>
+          </a:p>
+        </p:txBody>
+      </p:sp>
+      <p:sp>
+        <p:nvSpPr>
+          <p:cNvPr id="179" name="Shape 179"/>
+          <p:cNvSpPr/>
+          <p:nvPr/>
+        </p:nvSpPr>
+        <p:spPr>
+          <a:xfrm>
+            <a:off x="16119078" y="7948414"/>
+            <a:ext cx="2456657" cy="3409157"/>
           </a:xfrm>
           <a:prstGeom prst="rect">
             <a:avLst/>
@@ -12768,59 +13913,101 @@
               <a:defRPr sz="4600"/>
             </a:pPr>
             <a:r>
-              <a:t>兌換了</a:t>
-            </a:r>
-            <a:r>
-              <a:rPr b="1">
-                <a:latin typeface="Helvetica"/>
-                <a:ea typeface="Helvetica"/>
-                <a:cs typeface="Helvetica"/>
-                <a:sym typeface="Helvetica"/>
-              </a:rPr>
-              <a:t>紅利商品 - 茶葉蛋</a:t>
+              <a:t>通路</a:t>
+            </a:r>
+          </a:p>
+          <a:p>
+            <a:pPr>
+              <a:defRPr sz="4600"/>
+            </a:pPr>
+            <a:r>
+              <a:t>網銀</a:t>
+            </a:r>
+          </a:p>
+          <a:p>
+            <a:pPr>
+              <a:defRPr sz="4600"/>
+            </a:pPr>
+            <a:r>
+              <a:t>XX分行</a:t>
+            </a:r>
+          </a:p>
+          <a:p>
+            <a:pPr>
+              <a:defRPr sz="4600"/>
+            </a:pPr>
+            <a:r>
+              <a:t>店家地點</a:t>
             </a:r>
           </a:p>
         </p:txBody>
       </p:sp>
-      <p:pic>
-        <p:nvPicPr>
-          <p:cNvPr id="161" name="pasted-image.jpeg"/>
-          <p:cNvPicPr>
-            <a:picLocks noChangeAspect="1"/>
-          </p:cNvPicPr>
+      <p:sp>
+        <p:nvSpPr>
+          <p:cNvPr id="180" name="Shape 180"/>
+          <p:cNvSpPr/>
           <p:nvPr/>
-        </p:nvPicPr>
-        <p:blipFill>
-          <a:blip r:embed="rId2">
-            <a:extLst/>
-          </a:blip>
-          <a:stretch>
-            <a:fillRect/>
-          </a:stretch>
-        </p:blipFill>
+        </p:nvSpPr>
         <p:spPr>
           <a:xfrm>
-            <a:off x="8467219" y="2775364"/>
-            <a:ext cx="2393134" cy="2393134"/>
+            <a:off x="5183326" y="2426081"/>
+            <a:ext cx="1947838" cy="1326827"/>
           </a:xfrm>
-          <a:prstGeom prst="rect">
-            <a:avLst/>
-          </a:prstGeom>
+          <a:prstGeom prst="ellipse">
+            <a:avLst/>
+          </a:prstGeom>
+          <a:gradFill>
+            <a:gsLst>
+              <a:gs pos="0">
+                <a:srgbClr val="FBFBFB"/>
+              </a:gs>
+              <a:gs pos="100000">
+                <a:srgbClr val="BEBEBE"/>
+              </a:gs>
+            </a:gsLst>
+            <a:lin ang="5400000"/>
+          </a:gradFill>
           <a:ln w="12700">
             <a:miter lim="400000"/>
           </a:ln>
-        </p:spPr>
-      </p:pic>
+          <a:effectLst>
+            <a:outerShdw sx="100000" sy="100000" kx="0" ky="0" algn="b" rotWithShape="0" blurRad="25400" dist="12700" dir="5400000">
+              <a:srgbClr val="000000">
+                <a:alpha val="50000"/>
+              </a:srgbClr>
+            </a:outerShdw>
+          </a:effectLst>
+          <a:extLst>
+            <a:ext uri="{C572A759-6A51-4108-AA02-DFA0A04FC94B}">
+              <ma14:wrappingTextBoxFlag xmlns:ma14="http://schemas.microsoft.com/office/mac/drawingml/2011/main" val="1"/>
+            </a:ext>
+          </a:extLst>
+        </p:spPr>
+        <p:txBody>
+          <a:bodyPr lIns="53578" tIns="53578" rIns="53578" bIns="53578" anchor="ctr"/>
+          <a:lstStyle>
+            <a:lvl1pPr>
+              <a:defRPr sz="3000"/>
+            </a:lvl1pPr>
+          </a:lstStyle>
+          <a:p>
+            <a:pPr/>
+            <a:r>
+              <a:t>Trigger</a:t>
+            </a:r>
+          </a:p>
+        </p:txBody>
+      </p:sp>
       <p:sp>
         <p:nvSpPr>
-          <p:cNvPr id="162" name="Shape 162"/>
+          <p:cNvPr id="181" name="Shape 181"/>
           <p:cNvSpPr/>
           <p:nvPr/>
         </p:nvSpPr>
         <p:spPr>
           <a:xfrm>
-            <a:off x="11157763" y="2548812"/>
-            <a:ext cx="2452788" cy="996169"/>
+            <a:off x="7010149" y="1861166"/>
+            <a:ext cx="1981702" cy="2456658"/>
           </a:xfrm>
           <a:prstGeom prst="rect">
             <a:avLst/>
@@ -12841,329 +14028,26 @@
           <a:lstStyle/>
           <a:p>
             <a:pPr>
-              <a:defRPr sz="5800"/>
-            </a:pPr>
-            <a:r>
-              <a:rPr b="1">
-                <a:latin typeface="Helvetica"/>
-                <a:ea typeface="Helvetica"/>
-                <a:cs typeface="Helvetica"/>
-                <a:sym typeface="Helvetica"/>
-              </a:rPr>
-              <a:t>Roger</a:t>
-            </a:r>
-            <a:r>
-              <a:t> </a:t>
-            </a:r>
-          </a:p>
-        </p:txBody>
-      </p:sp>
-      <p:sp>
-        <p:nvSpPr>
-          <p:cNvPr id="163" name="Shape 163"/>
-          <p:cNvSpPr/>
-          <p:nvPr/>
-        </p:nvSpPr>
-        <p:spPr>
-          <a:xfrm>
-            <a:off x="15259191" y="4569793"/>
-            <a:ext cx="5058841" cy="856457"/>
-          </a:xfrm>
-          <a:prstGeom prst="rect">
-            <a:avLst/>
-          </a:prstGeom>
-          <a:ln w="12700">
-            <a:miter lim="400000"/>
-          </a:ln>
-          <a:extLst>
-            <a:ext uri="{C572A759-6A51-4108-AA02-DFA0A04FC94B}">
-              <ma14:wrappingTextBoxFlag xmlns:ma14="http://schemas.microsoft.com/office/mac/drawingml/2011/main" val="1"/>
-            </a:ext>
-          </a:extLst>
-        </p:spPr>
-        <p:txBody>
-          <a:bodyPr wrap="none" lIns="53578" tIns="53578" rIns="53578" bIns="53578" anchor="ctr">
-            <a:spAutoFit/>
-          </a:bodyPr>
-          <a:lstStyle/>
-          <a:p>
-            <a:pPr>
-              <a:defRPr sz="4200"/>
-            </a:pPr>
-            <a:r>
-              <a:t>- 於</a:t>
-            </a:r>
-            <a:r>
-              <a:rPr b="1">
-                <a:latin typeface="Helvetica"/>
-                <a:ea typeface="Helvetica"/>
-                <a:cs typeface="Helvetica"/>
-                <a:sym typeface="Helvetica"/>
-              </a:rPr>
-              <a:t>公館捷運1號ATM</a:t>
-            </a:r>
-          </a:p>
-        </p:txBody>
-      </p:sp>
-      <p:sp>
-        <p:nvSpPr>
-          <p:cNvPr id="164" name="Shape 164"/>
-          <p:cNvSpPr/>
-          <p:nvPr/>
-        </p:nvSpPr>
-        <p:spPr>
-          <a:xfrm>
-            <a:off x="11250927" y="4658693"/>
-            <a:ext cx="3869334" cy="678657"/>
-          </a:xfrm>
-          <a:prstGeom prst="rect">
-            <a:avLst/>
-          </a:prstGeom>
-          <a:ln w="12700">
-            <a:miter lim="400000"/>
-          </a:ln>
-          <a:extLst>
-            <a:ext uri="{C572A759-6A51-4108-AA02-DFA0A04FC94B}">
-              <ma14:wrappingTextBoxFlag xmlns:ma14="http://schemas.microsoft.com/office/mac/drawingml/2011/main" val="1"/>
-            </a:ext>
-          </a:extLst>
-        </p:spPr>
-        <p:txBody>
-          <a:bodyPr wrap="none" lIns="53578" tIns="53578" rIns="53578" bIns="53578" anchor="ctr">
-            <a:spAutoFit/>
-          </a:bodyPr>
-          <a:lstStyle>
-            <a:lvl1pPr>
-              <a:defRPr sz="3200">
-                <a:solidFill>
-                  <a:schemeClr val="accent2"/>
-                </a:solidFill>
-                <a:latin typeface="Arial Black"/>
-                <a:ea typeface="Arial Black"/>
-                <a:cs typeface="Arial Black"/>
-                <a:sym typeface="Arial Black"/>
-              </a:defRPr>
-            </a:lvl1pPr>
-          </a:lstStyle>
-          <a:p>
-            <a:pPr/>
-            <a:r>
-              <a:t>2015/05/27 20:48</a:t>
-            </a:r>
-          </a:p>
-        </p:txBody>
-      </p:sp>
-      <p:sp>
-        <p:nvSpPr>
-          <p:cNvPr id="165" name="Shape 165"/>
-          <p:cNvSpPr/>
-          <p:nvPr/>
-        </p:nvSpPr>
-        <p:spPr>
-          <a:xfrm>
-            <a:off x="11155843" y="3635508"/>
-            <a:ext cx="7196272" cy="932657"/>
-          </a:xfrm>
-          <a:prstGeom prst="rect">
-            <a:avLst/>
-          </a:prstGeom>
-          <a:ln w="12700">
-            <a:miter lim="400000"/>
-          </a:ln>
-          <a:extLst>
-            <a:ext uri="{C572A759-6A51-4108-AA02-DFA0A04FC94B}">
-              <ma14:wrappingTextBoxFlag xmlns:ma14="http://schemas.microsoft.com/office/mac/drawingml/2011/main" val="1"/>
-            </a:ext>
-          </a:extLst>
-        </p:spPr>
-        <p:txBody>
-          <a:bodyPr wrap="none" lIns="53578" tIns="53578" rIns="53578" bIns="53578" anchor="ctr">
-            <a:spAutoFit/>
-          </a:bodyPr>
-          <a:lstStyle/>
+              <a:defRPr sz="4600"/>
+            </a:pPr>
+            <a:r>
+              <a:t>動機</a:t>
+            </a:r>
+          </a:p>
           <a:p>
             <a:pPr>
               <a:defRPr sz="4600"/>
             </a:pPr>
             <a:r>
-              <a:t>從</a:t>
-            </a:r>
-            <a:r>
-              <a:rPr b="1">
-                <a:latin typeface="Helvetica"/>
-                <a:ea typeface="Helvetica"/>
-                <a:cs typeface="Helvetica"/>
-                <a:sym typeface="Helvetica"/>
-              </a:rPr>
-              <a:t>台幣存款戶</a:t>
-            </a:r>
-            <a:r>
-              <a:t> - 提款1000元</a:t>
-            </a:r>
-          </a:p>
-        </p:txBody>
-      </p:sp>
-      <p:sp>
-        <p:nvSpPr>
-          <p:cNvPr id="166" name="Shape 166"/>
-          <p:cNvSpPr/>
-          <p:nvPr/>
-        </p:nvSpPr>
-        <p:spPr>
-          <a:xfrm>
-            <a:off x="2350833" y="1146571"/>
-            <a:ext cx="7608987" cy="1135857"/>
-          </a:xfrm>
-          <a:prstGeom prst="rect">
-            <a:avLst/>
-          </a:prstGeom>
-          <a:ln w="12700">
-            <a:miter lim="400000"/>
-          </a:ln>
-          <a:extLst>
-            <a:ext uri="{C572A759-6A51-4108-AA02-DFA0A04FC94B}">
-              <ma14:wrappingTextBoxFlag xmlns:ma14="http://schemas.microsoft.com/office/mac/drawingml/2011/main" val="1"/>
-            </a:ext>
-          </a:extLst>
-        </p:spPr>
-        <p:txBody>
-          <a:bodyPr wrap="none" lIns="53578" tIns="53578" rIns="53578" bIns="53578" anchor="ctr">
-            <a:spAutoFit/>
-          </a:bodyPr>
-          <a:lstStyle/>
+              <a:t>referer</a:t>
+            </a:r>
+          </a:p>
           <a:p>
             <a:pPr>
-              <a:defRPr sz="5800"/>
-            </a:pPr>
-            <a:r>
-              <a:t>客戶</a:t>
-            </a:r>
-            <a:r>
-              <a:rPr b="1">
-                <a:latin typeface="Helvetica"/>
-                <a:ea typeface="Helvetica"/>
-                <a:cs typeface="Helvetica"/>
-                <a:sym typeface="Helvetica"/>
-              </a:rPr>
-              <a:t>Roger</a:t>
-            </a:r>
-            <a:r>
-              <a:t>活動事件流 </a:t>
-            </a:r>
-          </a:p>
-        </p:txBody>
-      </p:sp>
-      <p:sp>
-        <p:nvSpPr>
-          <p:cNvPr id="167" name="Shape 167"/>
-          <p:cNvSpPr/>
-          <p:nvPr/>
-        </p:nvSpPr>
-        <p:spPr>
-          <a:xfrm flipV="1">
-            <a:off x="4101702" y="2871364"/>
-            <a:ext cx="1" cy="8868720"/>
-          </a:xfrm>
-          <a:prstGeom prst="line">
-            <a:avLst/>
-          </a:prstGeom>
-          <a:ln w="25400" cap="rnd">
-            <a:solidFill>
-              <a:srgbClr val="000000"/>
-            </a:solidFill>
-            <a:custDash>
-              <a:ds d="100000" sp="200000"/>
-            </a:custDash>
-            <a:miter lim="400000"/>
-            <a:tailEnd type="triangle"/>
-          </a:ln>
-        </p:spPr>
-        <p:txBody>
-          <a:bodyPr lIns="53578" tIns="53578" rIns="53578" bIns="53578" anchor="ctr"/>
-          <a:lstStyle/>
-          <a:p>
-            <a:pPr>
-              <a:defRPr sz="3000"/>
-            </a:pPr>
-          </a:p>
-        </p:txBody>
-      </p:sp>
-      <p:sp>
-        <p:nvSpPr>
-          <p:cNvPr id="168" name="Shape 168"/>
-          <p:cNvSpPr/>
-          <p:nvPr/>
-        </p:nvSpPr>
-        <p:spPr>
-          <a:xfrm>
-            <a:off x="4441859" y="10681890"/>
-            <a:ext cx="1093719" cy="805658"/>
-          </a:xfrm>
-          <a:prstGeom prst="rect">
-            <a:avLst/>
-          </a:prstGeom>
-          <a:ln w="12700">
-            <a:miter lim="400000"/>
-          </a:ln>
-          <a:extLst>
-            <a:ext uri="{C572A759-6A51-4108-AA02-DFA0A04FC94B}">
-              <ma14:wrappingTextBoxFlag xmlns:ma14="http://schemas.microsoft.com/office/mac/drawingml/2011/main" val="1"/>
-            </a:ext>
-          </a:extLst>
-        </p:spPr>
-        <p:txBody>
-          <a:bodyPr wrap="none" lIns="53578" tIns="53578" rIns="53578" bIns="53578" anchor="ctr">
-            <a:spAutoFit/>
-          </a:bodyPr>
-          <a:lstStyle>
-            <a:lvl1pPr>
               <a:defRPr sz="4600"/>
-            </a:lvl1pPr>
-          </a:lstStyle>
-          <a:p>
-            <a:pPr/>
-            <a:r>
-              <a:t>old </a:t>
-            </a:r>
-          </a:p>
-        </p:txBody>
-      </p:sp>
-      <p:sp>
-        <p:nvSpPr>
-          <p:cNvPr id="169" name="Shape 169"/>
-          <p:cNvSpPr/>
-          <p:nvPr/>
-        </p:nvSpPr>
-        <p:spPr>
-          <a:xfrm>
-            <a:off x="4207963" y="2644068"/>
-            <a:ext cx="2133011" cy="805657"/>
-          </a:xfrm>
-          <a:prstGeom prst="rect">
-            <a:avLst/>
-          </a:prstGeom>
-          <a:ln w="12700">
-            <a:miter lim="400000"/>
-          </a:ln>
-          <a:extLst>
-            <a:ext uri="{C572A759-6A51-4108-AA02-DFA0A04FC94B}">
-              <ma14:wrappingTextBoxFlag xmlns:ma14="http://schemas.microsoft.com/office/mac/drawingml/2011/main" val="1"/>
-            </a:ext>
-          </a:extLst>
-        </p:spPr>
-        <p:txBody>
-          <a:bodyPr wrap="none" lIns="53578" tIns="53578" rIns="53578" bIns="53578" anchor="ctr">
-            <a:spAutoFit/>
-          </a:bodyPr>
-          <a:lstStyle>
-            <a:lvl1pPr>
-              <a:defRPr sz="4600"/>
-            </a:lvl1pPr>
-          </a:lstStyle>
-          <a:p>
-            <a:pPr/>
-            <a:r>
-              <a:t>newest </a:t>
+            </a:pPr>
+            <a:r>
+              <a:t>觸發點</a:t>
             </a:r>
           </a:p>
         </p:txBody>
@@ -13196,66 +14080,42 @@
       </p:grpSpPr>
       <p:sp>
         <p:nvSpPr>
-          <p:cNvPr id="171" name="Shape 171"/>
+          <p:cNvPr id="183" name="Shape 183"/>
           <p:cNvSpPr/>
-          <p:nvPr/>
+          <p:nvPr>
+            <p:ph type="title"/>
+          </p:nvPr>
         </p:nvSpPr>
         <p:spPr>
           <a:xfrm>
-            <a:off x="6873105" y="5353645"/>
-            <a:ext cx="2255789" cy="1749624"/>
+            <a:off x="6338589" y="802183"/>
+            <a:ext cx="11706822" cy="2277071"/>
           </a:xfrm>
-          <a:prstGeom prst="ellipse">
-            <a:avLst/>
-          </a:prstGeom>
-          <a:blipFill>
-            <a:blip r:embed="rId2"/>
-          </a:blipFill>
-          <a:ln w="12700">
-            <a:miter lim="400000"/>
-          </a:ln>
-          <a:effectLst>
-            <a:outerShdw sx="100000" sy="100000" kx="0" ky="0" algn="b" rotWithShape="0" blurRad="25400" dist="0" dir="0">
-              <a:srgbClr val="000000">
-                <a:alpha val="50000"/>
-              </a:srgbClr>
-            </a:outerShdw>
-          </a:effectLst>
-          <a:extLst>
-            <a:ext uri="{C572A759-6A51-4108-AA02-DFA0A04FC94B}">
-              <ma14:wrappingTextBoxFlag xmlns:ma14="http://schemas.microsoft.com/office/mac/drawingml/2011/main" val="1"/>
-            </a:ext>
-          </a:extLst>
+          <a:prstGeom prst="rect">
+            <a:avLst/>
+          </a:prstGeom>
         </p:spPr>
         <p:txBody>
-          <a:bodyPr lIns="53578" tIns="53578" rIns="53578" bIns="53578" anchor="ctr"/>
-          <a:lstStyle>
-            <a:lvl1pPr>
-              <a:defRPr sz="3000">
-                <a:solidFill>
-                  <a:srgbClr val="FFFFFF"/>
-                </a:solidFill>
-              </a:defRPr>
-            </a:lvl1pPr>
-          </a:lstStyle>
+          <a:bodyPr/>
+          <a:lstStyle/>
           <a:p>
             <a:pPr/>
             <a:r>
-              <a:t>Actor</a:t>
+              <a:t>動態消息？</a:t>
             </a:r>
           </a:p>
         </p:txBody>
       </p:sp>
       <p:sp>
         <p:nvSpPr>
-          <p:cNvPr id="172" name="Shape 172"/>
+          <p:cNvPr id="184" name="Shape 184"/>
           <p:cNvSpPr/>
           <p:nvPr/>
         </p:nvSpPr>
         <p:spPr>
           <a:xfrm>
-            <a:off x="4837493" y="5000128"/>
-            <a:ext cx="2100295" cy="2456658"/>
+            <a:off x="1654857" y="12225337"/>
+            <a:ext cx="14192474" cy="564357"/>
           </a:xfrm>
           <a:prstGeom prst="rect">
             <a:avLst/>
@@ -13273,731 +14133,55 @@
           <a:bodyPr wrap="none" lIns="53578" tIns="53578" rIns="53578" bIns="53578" anchor="ctr">
             <a:spAutoFit/>
           </a:bodyPr>
-          <a:lstStyle/>
+          <a:lstStyle>
+            <a:lvl1pPr>
+              <a:defRPr sz="3000" u="sng">
+                <a:hlinkClick r:id="rId2" invalidUrl="" action="" tgtFrame="" tooltip="" history="1" highlightClick="0" endSnd="0"/>
+              </a:defRPr>
+            </a:lvl1pPr>
+          </a:lstStyle>
           <a:p>
             <a:pPr>
-              <a:defRPr sz="4600"/>
-            </a:pPr>
-            <a:r>
-              <a:t>客戶</a:t>
-            </a:r>
-          </a:p>
-          <a:p>
-            <a:pPr>
-              <a:defRPr sz="4600"/>
-            </a:pPr>
-            <a:r>
-              <a:t>Cookie</a:t>
-            </a:r>
-          </a:p>
-          <a:p>
-            <a:pPr>
-              <a:defRPr sz="4600"/>
-            </a:pPr>
-            <a:r>
-              <a:t>員工</a:t>
+              <a:defRPr u="none"/>
+            </a:pPr>
+            <a:r>
+              <a:rPr u="sng">
+                <a:hlinkClick r:id="rId2" invalidUrl="" action="" tgtFrame="" tooltip="" history="1" highlightClick="0" endSnd="0"/>
+              </a:rPr>
+              <a:t>https://github.com/activitystreams/activity-schema/blob/master/activity-schema.md</a:t>
             </a:r>
           </a:p>
         </p:txBody>
       </p:sp>
-      <p:sp>
-        <p:nvSpPr>
-          <p:cNvPr id="173" name="Shape 173"/>
-          <p:cNvSpPr/>
+      <p:pic>
+        <p:nvPicPr>
+          <p:cNvPr id="185" name="Screen Shot 2016-10-16 at 11.15.14 PM.png"/>
+          <p:cNvPicPr>
+            <a:picLocks noChangeAspect="1"/>
+          </p:cNvPicPr>
           <p:nvPr/>
-        </p:nvSpPr>
+        </p:nvPicPr>
+        <p:blipFill>
+          <a:blip r:embed="rId3">
+            <a:extLst/>
+          </a:blip>
+          <a:stretch>
+            <a:fillRect/>
+          </a:stretch>
+        </p:blipFill>
         <p:spPr>
           <a:xfrm>
-            <a:off x="15549562" y="5320754"/>
-            <a:ext cx="2392562" cy="1815406"/>
+            <a:off x="4206990" y="3652648"/>
+            <a:ext cx="15970020" cy="7999295"/>
           </a:xfrm>
-          <a:prstGeom prst="ellipse">
-            <a:avLst/>
-          </a:prstGeom>
-          <a:blipFill>
-            <a:blip r:embed="rId2"/>
-          </a:blipFill>
+          <a:prstGeom prst="rect">
+            <a:avLst/>
+          </a:prstGeom>
           <a:ln w="12700">
             <a:miter lim="400000"/>
           </a:ln>
-          <a:effectLst>
-            <a:outerShdw sx="100000" sy="100000" kx="0" ky="0" algn="b" rotWithShape="0" blurRad="25400" dist="0" dir="0">
-              <a:srgbClr val="000000">
-                <a:alpha val="50000"/>
-              </a:srgbClr>
-            </a:outerShdw>
-          </a:effectLst>
-          <a:extLst>
-            <a:ext uri="{C572A759-6A51-4108-AA02-DFA0A04FC94B}">
-              <ma14:wrappingTextBoxFlag xmlns:ma14="http://schemas.microsoft.com/office/mac/drawingml/2011/main" val="1"/>
-            </a:ext>
-          </a:extLst>
-        </p:spPr>
-        <p:txBody>
-          <a:bodyPr lIns="53578" tIns="53578" rIns="53578" bIns="53578" anchor="ctr"/>
-          <a:lstStyle>
-            <a:lvl1pPr>
-              <a:defRPr sz="3000">
-                <a:solidFill>
-                  <a:srgbClr val="FFFFFF"/>
-                </a:solidFill>
-              </a:defRPr>
-            </a:lvl1pPr>
-          </a:lstStyle>
-          <a:p>
-            <a:pPr/>
-            <a:r>
-              <a:t>object</a:t>
-            </a:r>
-          </a:p>
-        </p:txBody>
-      </p:sp>
-      <p:sp>
-        <p:nvSpPr>
-          <p:cNvPr id="174" name="Shape 174"/>
-          <p:cNvSpPr/>
-          <p:nvPr/>
-        </p:nvSpPr>
-        <p:spPr>
-          <a:xfrm>
-            <a:off x="11346287" y="5752206"/>
-            <a:ext cx="2387942" cy="952502"/>
-          </a:xfrm>
-          <a:prstGeom prst="roundRect">
-            <a:avLst>
-              <a:gd name="adj" fmla="val 15000"/>
-            </a:avLst>
-          </a:prstGeom>
-          <a:blipFill>
-            <a:blip r:embed="rId3"/>
-          </a:blipFill>
-          <a:ln w="12700">
-            <a:miter lim="400000"/>
-          </a:ln>
-          <a:effectLst>
-            <a:outerShdw sx="100000" sy="100000" kx="0" ky="0" algn="b" rotWithShape="0" blurRad="25400" dist="12700" dir="5400000">
-              <a:srgbClr val="000000">
-                <a:alpha val="50000"/>
-              </a:srgbClr>
-            </a:outerShdw>
-          </a:effectLst>
-          <a:extLst>
-            <a:ext uri="{C572A759-6A51-4108-AA02-DFA0A04FC94B}">
-              <ma14:wrappingTextBoxFlag xmlns:ma14="http://schemas.microsoft.com/office/mac/drawingml/2011/main" val="1"/>
-            </a:ext>
-          </a:extLst>
-        </p:spPr>
-        <p:txBody>
-          <a:bodyPr lIns="53578" tIns="53578" rIns="53578" bIns="53578" anchor="ctr"/>
-          <a:lstStyle>
-            <a:lvl1pPr>
-              <a:defRPr sz="3000">
-                <a:solidFill>
-                  <a:srgbClr val="FFFFFF"/>
-                </a:solidFill>
-              </a:defRPr>
-            </a:lvl1pPr>
-          </a:lstStyle>
-          <a:p>
-            <a:pPr/>
-            <a:r>
-              <a:t>Action</a:t>
-            </a:r>
-          </a:p>
-        </p:txBody>
-      </p:sp>
-      <p:sp>
-        <p:nvSpPr>
-          <p:cNvPr id="175" name="Shape 175"/>
-          <p:cNvSpPr/>
-          <p:nvPr/>
-        </p:nvSpPr>
-        <p:spPr>
-          <a:xfrm>
-            <a:off x="10371293" y="3124993"/>
-            <a:ext cx="1450664" cy="1758157"/>
-          </a:xfrm>
-          <a:prstGeom prst="rect">
-            <a:avLst/>
-          </a:prstGeom>
-          <a:ln w="12700">
-            <a:miter lim="400000"/>
-          </a:ln>
-          <a:extLst>
-            <a:ext uri="{C572A759-6A51-4108-AA02-DFA0A04FC94B}">
-              <ma14:wrappingTextBoxFlag xmlns:ma14="http://schemas.microsoft.com/office/mac/drawingml/2011/main" val="1"/>
-            </a:ext>
-          </a:extLst>
-        </p:spPr>
-        <p:txBody>
-          <a:bodyPr wrap="none" lIns="53578" tIns="53578" rIns="53578" bIns="53578" anchor="ctr">
-            <a:spAutoFit/>
-          </a:bodyPr>
-          <a:lstStyle/>
-          <a:p>
-            <a:pPr>
-              <a:defRPr sz="4600"/>
-            </a:pPr>
-            <a:r>
-              <a:t>開戶</a:t>
-            </a:r>
-          </a:p>
-          <a:p>
-            <a:pPr>
-              <a:defRPr sz="4600"/>
-            </a:pPr>
-            <a:r>
-              <a:t>開卡</a:t>
-            </a:r>
-          </a:p>
-        </p:txBody>
-      </p:sp>
-      <p:sp>
-        <p:nvSpPr>
-          <p:cNvPr id="176" name="Shape 176"/>
-          <p:cNvSpPr/>
-          <p:nvPr/>
-        </p:nvSpPr>
-        <p:spPr>
-          <a:xfrm>
-            <a:off x="18094798" y="4523878"/>
-            <a:ext cx="2619064" cy="3409158"/>
-          </a:xfrm>
-          <a:prstGeom prst="rect">
-            <a:avLst/>
-          </a:prstGeom>
-          <a:ln w="12700">
-            <a:miter lim="400000"/>
-          </a:ln>
-          <a:extLst>
-            <a:ext uri="{C572A759-6A51-4108-AA02-DFA0A04FC94B}">
-              <ma14:wrappingTextBoxFlag xmlns:ma14="http://schemas.microsoft.com/office/mac/drawingml/2011/main" val="1"/>
-            </a:ext>
-          </a:extLst>
-        </p:spPr>
-        <p:txBody>
-          <a:bodyPr wrap="none" lIns="53578" tIns="53578" rIns="53578" bIns="53578" anchor="ctr">
-            <a:spAutoFit/>
-          </a:bodyPr>
-          <a:lstStyle/>
-          <a:p>
-            <a:pPr>
-              <a:defRPr sz="4600"/>
-            </a:pPr>
-            <a:r>
-              <a:t>帳戶</a:t>
-            </a:r>
-          </a:p>
-          <a:p>
-            <a:pPr>
-              <a:defRPr sz="4600"/>
-            </a:pPr>
-            <a:r>
-              <a:t>消費店家</a:t>
-            </a:r>
-          </a:p>
-          <a:p>
-            <a:pPr>
-              <a:defRPr sz="4600"/>
-            </a:pPr>
-            <a:r>
-              <a:t>商品</a:t>
-            </a:r>
-          </a:p>
-          <a:p>
-            <a:pPr>
-              <a:defRPr sz="4600"/>
-            </a:pPr>
-            <a:r>
-              <a:t>其他客戶</a:t>
-            </a:r>
-          </a:p>
-        </p:txBody>
-      </p:sp>
-      <p:sp>
-        <p:nvSpPr>
-          <p:cNvPr id="177" name="Shape 177"/>
-          <p:cNvSpPr/>
-          <p:nvPr/>
-        </p:nvSpPr>
-        <p:spPr>
-          <a:xfrm>
-            <a:off x="14963140" y="3124993"/>
-            <a:ext cx="1450665" cy="1758157"/>
-          </a:xfrm>
-          <a:prstGeom prst="rect">
-            <a:avLst/>
-          </a:prstGeom>
-          <a:ln w="12700">
-            <a:miter lim="400000"/>
-          </a:ln>
-          <a:extLst>
-            <a:ext uri="{C572A759-6A51-4108-AA02-DFA0A04FC94B}">
-              <ma14:wrappingTextBoxFlag xmlns:ma14="http://schemas.microsoft.com/office/mac/drawingml/2011/main" val="1"/>
-            </a:ext>
-          </a:extLst>
-        </p:spPr>
-        <p:txBody>
-          <a:bodyPr wrap="none" lIns="53578" tIns="53578" rIns="53578" bIns="53578" anchor="ctr">
-            <a:spAutoFit/>
-          </a:bodyPr>
-          <a:lstStyle/>
-          <a:p>
-            <a:pPr>
-              <a:defRPr sz="4600"/>
-            </a:pPr>
-            <a:r>
-              <a:t>瀏覽</a:t>
-            </a:r>
-          </a:p>
-          <a:p>
-            <a:pPr>
-              <a:defRPr sz="4600"/>
-            </a:pPr>
-            <a:r>
-              <a:t>點擊</a:t>
-            </a:r>
-          </a:p>
-        </p:txBody>
-      </p:sp>
-      <p:sp>
-        <p:nvSpPr>
-          <p:cNvPr id="178" name="Shape 178"/>
-          <p:cNvSpPr/>
-          <p:nvPr/>
-        </p:nvSpPr>
-        <p:spPr>
-          <a:xfrm>
-            <a:off x="11629258" y="3124993"/>
-            <a:ext cx="1872457" cy="1758157"/>
-          </a:xfrm>
-          <a:prstGeom prst="rect">
-            <a:avLst/>
-          </a:prstGeom>
-          <a:ln w="12700">
-            <a:miter lim="400000"/>
-          </a:ln>
-          <a:extLst>
-            <a:ext uri="{C572A759-6A51-4108-AA02-DFA0A04FC94B}">
-              <ma14:wrappingTextBoxFlag xmlns:ma14="http://schemas.microsoft.com/office/mac/drawingml/2011/main" val="1"/>
-            </a:ext>
-          </a:extLst>
-        </p:spPr>
-        <p:txBody>
-          <a:bodyPr wrap="none" lIns="53578" tIns="53578" rIns="53578" bIns="53578" anchor="ctr">
-            <a:spAutoFit/>
-          </a:bodyPr>
-          <a:lstStyle/>
-          <a:p>
-            <a:pPr>
-              <a:defRPr sz="4600"/>
-            </a:pPr>
-            <a:r>
-              <a:t>刷卡</a:t>
-            </a:r>
-          </a:p>
-          <a:p>
-            <a:pPr>
-              <a:defRPr sz="4600"/>
-            </a:pPr>
-            <a:r>
-              <a:t>買產品</a:t>
-            </a:r>
-          </a:p>
-        </p:txBody>
-      </p:sp>
-      <p:sp>
-        <p:nvSpPr>
-          <p:cNvPr id="179" name="Shape 179"/>
-          <p:cNvSpPr/>
-          <p:nvPr/>
-        </p:nvSpPr>
-        <p:spPr>
-          <a:xfrm>
-            <a:off x="9014221" y="8167389"/>
-            <a:ext cx="2021682" cy="1482925"/>
-          </a:xfrm>
-          <a:prstGeom prst="rect">
-            <a:avLst/>
-          </a:prstGeom>
-          <a:solidFill>
-            <a:schemeClr val="accent6"/>
-          </a:solidFill>
-          <a:ln w="12700">
-            <a:miter lim="400000"/>
-          </a:ln>
-          <a:effectLst>
-            <a:outerShdw sx="100000" sy="100000" kx="0" ky="0" algn="b" rotWithShape="0" blurRad="25400" dist="12700" dir="5400000">
-              <a:srgbClr val="000000">
-                <a:alpha val="50000"/>
-              </a:srgbClr>
-            </a:outerShdw>
-          </a:effectLst>
-          <a:extLst>
-            <a:ext uri="{C572A759-6A51-4108-AA02-DFA0A04FC94B}">
-              <ma14:wrappingTextBoxFlag xmlns:ma14="http://schemas.microsoft.com/office/mac/drawingml/2011/main" val="1"/>
-            </a:ext>
-          </a:extLst>
-        </p:spPr>
-        <p:txBody>
-          <a:bodyPr lIns="53578" tIns="53578" rIns="53578" bIns="53578" anchor="ctr"/>
-          <a:lstStyle>
-            <a:lvl1pPr>
-              <a:defRPr sz="3000">
-                <a:solidFill>
-                  <a:srgbClr val="FFFFFF"/>
-                </a:solidFill>
-              </a:defRPr>
-            </a:lvl1pPr>
-          </a:lstStyle>
-          <a:p>
-            <a:pPr/>
-            <a:r>
-              <a:t>Time</a:t>
-            </a:r>
-          </a:p>
-        </p:txBody>
-      </p:sp>
-      <p:sp>
-        <p:nvSpPr>
-          <p:cNvPr id="180" name="Shape 180"/>
-          <p:cNvSpPr/>
-          <p:nvPr/>
-        </p:nvSpPr>
-        <p:spPr>
-          <a:xfrm>
-            <a:off x="6772671" y="7706816"/>
-            <a:ext cx="2456657" cy="4234657"/>
-          </a:xfrm>
-          <a:prstGeom prst="rect">
-            <a:avLst/>
-          </a:prstGeom>
-          <a:ln w="12700">
-            <a:miter lim="400000"/>
-          </a:ln>
-          <a:extLst>
-            <a:ext uri="{C572A759-6A51-4108-AA02-DFA0A04FC94B}">
-              <ma14:wrappingTextBoxFlag xmlns:ma14="http://schemas.microsoft.com/office/mac/drawingml/2011/main" val="1"/>
-            </a:ext>
-          </a:extLst>
-        </p:spPr>
-        <p:txBody>
-          <a:bodyPr wrap="none" lIns="53578" tIns="53578" rIns="53578" bIns="53578" anchor="ctr">
-            <a:spAutoFit/>
-          </a:bodyPr>
-          <a:lstStyle/>
-          <a:p>
-            <a:pPr>
-              <a:defRPr sz="4600"/>
-            </a:pPr>
-            <a:r>
-              <a:t>日期</a:t>
-            </a:r>
-          </a:p>
-          <a:p>
-            <a:pPr>
-              <a:defRPr sz="4600"/>
-            </a:pPr>
-            <a:r>
-              <a:t>時間</a:t>
-            </a:r>
-          </a:p>
-          <a:p>
-            <a:pPr>
-              <a:defRPr sz="4600"/>
-            </a:pPr>
-            <a:r>
-              <a:t>早中晚</a:t>
-            </a:r>
-          </a:p>
-          <a:p>
-            <a:pPr>
-              <a:defRPr sz="4600"/>
-            </a:pPr>
-            <a:r>
-              <a:t>星期幾</a:t>
-            </a:r>
-          </a:p>
-          <a:p>
-            <a:pPr>
-              <a:defRPr sz="4600"/>
-            </a:pPr>
-            <a:r>
-              <a:t>特定節日</a:t>
-            </a:r>
-          </a:p>
-        </p:txBody>
-      </p:sp>
-      <p:sp>
-        <p:nvSpPr>
-          <p:cNvPr id="181" name="Shape 181"/>
-          <p:cNvSpPr/>
-          <p:nvPr/>
-        </p:nvSpPr>
-        <p:spPr>
-          <a:xfrm>
-            <a:off x="13195511" y="3124993"/>
-            <a:ext cx="2034864" cy="1758157"/>
-          </a:xfrm>
-          <a:prstGeom prst="rect">
-            <a:avLst/>
-          </a:prstGeom>
-          <a:ln w="12700">
-            <a:miter lim="400000"/>
-          </a:ln>
-          <a:extLst>
-            <a:ext uri="{C572A759-6A51-4108-AA02-DFA0A04FC94B}">
-              <ma14:wrappingTextBoxFlag xmlns:ma14="http://schemas.microsoft.com/office/mac/drawingml/2011/main" val="1"/>
-            </a:ext>
-          </a:extLst>
-        </p:spPr>
-        <p:txBody>
-          <a:bodyPr wrap="none" lIns="53578" tIns="53578" rIns="53578" bIns="53578" anchor="ctr">
-            <a:spAutoFit/>
-          </a:bodyPr>
-          <a:lstStyle/>
-          <a:p>
-            <a:pPr>
-              <a:defRPr sz="4600"/>
-            </a:pPr>
-            <a:r>
-              <a:t>打客服</a:t>
-            </a:r>
-          </a:p>
-          <a:p>
-            <a:pPr>
-              <a:defRPr sz="4600"/>
-            </a:pPr>
-            <a:r>
-              <a:t>領錢</a:t>
-            </a:r>
-          </a:p>
-        </p:txBody>
-      </p:sp>
-      <p:sp>
-        <p:nvSpPr>
-          <p:cNvPr id="182" name="Shape 182"/>
-          <p:cNvSpPr/>
-          <p:nvPr/>
-        </p:nvSpPr>
-        <p:spPr>
-          <a:xfrm>
-            <a:off x="14070806" y="8167389"/>
-            <a:ext cx="1828875" cy="1482925"/>
-          </a:xfrm>
-          <a:prstGeom prst="rect">
-            <a:avLst/>
-          </a:prstGeom>
-          <a:solidFill>
-            <a:schemeClr val="accent4"/>
-          </a:solidFill>
-          <a:ln w="12700">
-            <a:miter lim="400000"/>
-          </a:ln>
-          <a:effectLst>
-            <a:outerShdw sx="100000" sy="100000" kx="0" ky="0" algn="b" rotWithShape="0" blurRad="25400" dist="12700" dir="5400000">
-              <a:srgbClr val="000000">
-                <a:alpha val="50000"/>
-              </a:srgbClr>
-            </a:outerShdw>
-          </a:effectLst>
-          <a:extLst>
-            <a:ext uri="{C572A759-6A51-4108-AA02-DFA0A04FC94B}">
-              <ma14:wrappingTextBoxFlag xmlns:ma14="http://schemas.microsoft.com/office/mac/drawingml/2011/main" val="1"/>
-            </a:ext>
-          </a:extLst>
-        </p:spPr>
-        <p:txBody>
-          <a:bodyPr lIns="53578" tIns="53578" rIns="53578" bIns="53578" anchor="ctr"/>
-          <a:lstStyle>
-            <a:lvl1pPr>
-              <a:defRPr sz="3000">
-                <a:solidFill>
-                  <a:srgbClr val="FFFFFF"/>
-                </a:solidFill>
-              </a:defRPr>
-            </a:lvl1pPr>
-          </a:lstStyle>
-          <a:p>
-            <a:pPr/>
-            <a:r>
-              <a:t>Channel</a:t>
-            </a:r>
-          </a:p>
-        </p:txBody>
-      </p:sp>
-      <p:sp>
-        <p:nvSpPr>
-          <p:cNvPr id="183" name="Shape 183"/>
-          <p:cNvSpPr/>
-          <p:nvPr/>
-        </p:nvSpPr>
-        <p:spPr>
-          <a:xfrm>
-            <a:off x="16119078" y="7948414"/>
-            <a:ext cx="2456657" cy="3409157"/>
-          </a:xfrm>
-          <a:prstGeom prst="rect">
-            <a:avLst/>
-          </a:prstGeom>
-          <a:ln w="12700">
-            <a:miter lim="400000"/>
-          </a:ln>
-          <a:extLst>
-            <a:ext uri="{C572A759-6A51-4108-AA02-DFA0A04FC94B}">
-              <ma14:wrappingTextBoxFlag xmlns:ma14="http://schemas.microsoft.com/office/mac/drawingml/2011/main" val="1"/>
-            </a:ext>
-          </a:extLst>
-        </p:spPr>
-        <p:txBody>
-          <a:bodyPr wrap="none" lIns="53578" tIns="53578" rIns="53578" bIns="53578" anchor="ctr">
-            <a:spAutoFit/>
-          </a:bodyPr>
-          <a:lstStyle/>
-          <a:p>
-            <a:pPr>
-              <a:defRPr sz="4600"/>
-            </a:pPr>
-            <a:r>
-              <a:t>通路</a:t>
-            </a:r>
-          </a:p>
-          <a:p>
-            <a:pPr>
-              <a:defRPr sz="4600"/>
-            </a:pPr>
-            <a:r>
-              <a:t>網銀</a:t>
-            </a:r>
-          </a:p>
-          <a:p>
-            <a:pPr>
-              <a:defRPr sz="4600"/>
-            </a:pPr>
-            <a:r>
-              <a:t>XX分行</a:t>
-            </a:r>
-          </a:p>
-          <a:p>
-            <a:pPr>
-              <a:defRPr sz="4600"/>
-            </a:pPr>
-            <a:r>
-              <a:t>店家地點</a:t>
-            </a:r>
-          </a:p>
-        </p:txBody>
-      </p:sp>
-      <p:sp>
-        <p:nvSpPr>
-          <p:cNvPr id="184" name="Shape 184"/>
-          <p:cNvSpPr/>
-          <p:nvPr/>
-        </p:nvSpPr>
-        <p:spPr>
-          <a:xfrm>
-            <a:off x="5183326" y="2426081"/>
-            <a:ext cx="1947838" cy="1326827"/>
-          </a:xfrm>
-          <a:prstGeom prst="ellipse">
-            <a:avLst/>
-          </a:prstGeom>
-          <a:gradFill>
-            <a:gsLst>
-              <a:gs pos="0">
-                <a:srgbClr val="FBFBFB"/>
-              </a:gs>
-              <a:gs pos="100000">
-                <a:srgbClr val="BEBEBE"/>
-              </a:gs>
-            </a:gsLst>
-            <a:lin ang="5400000"/>
-          </a:gradFill>
-          <a:ln w="12700">
-            <a:miter lim="400000"/>
-          </a:ln>
-          <a:effectLst>
-            <a:outerShdw sx="100000" sy="100000" kx="0" ky="0" algn="b" rotWithShape="0" blurRad="25400" dist="12700" dir="5400000">
-              <a:srgbClr val="000000">
-                <a:alpha val="50000"/>
-              </a:srgbClr>
-            </a:outerShdw>
-          </a:effectLst>
-          <a:extLst>
-            <a:ext uri="{C572A759-6A51-4108-AA02-DFA0A04FC94B}">
-              <ma14:wrappingTextBoxFlag xmlns:ma14="http://schemas.microsoft.com/office/mac/drawingml/2011/main" val="1"/>
-            </a:ext>
-          </a:extLst>
-        </p:spPr>
-        <p:txBody>
-          <a:bodyPr lIns="53578" tIns="53578" rIns="53578" bIns="53578" anchor="ctr"/>
-          <a:lstStyle>
-            <a:lvl1pPr>
-              <a:defRPr sz="3000"/>
-            </a:lvl1pPr>
-          </a:lstStyle>
-          <a:p>
-            <a:pPr/>
-            <a:r>
-              <a:t>Trigger</a:t>
-            </a:r>
-          </a:p>
-        </p:txBody>
-      </p:sp>
-      <p:sp>
-        <p:nvSpPr>
-          <p:cNvPr id="185" name="Shape 185"/>
-          <p:cNvSpPr/>
-          <p:nvPr/>
-        </p:nvSpPr>
-        <p:spPr>
-          <a:xfrm>
-            <a:off x="7010148" y="1861166"/>
-            <a:ext cx="1981703" cy="2456658"/>
-          </a:xfrm>
-          <a:prstGeom prst="rect">
-            <a:avLst/>
-          </a:prstGeom>
-          <a:ln w="12700">
-            <a:miter lim="400000"/>
-          </a:ln>
-          <a:extLst>
-            <a:ext uri="{C572A759-6A51-4108-AA02-DFA0A04FC94B}">
-              <ma14:wrappingTextBoxFlag xmlns:ma14="http://schemas.microsoft.com/office/mac/drawingml/2011/main" val="1"/>
-            </a:ext>
-          </a:extLst>
-        </p:spPr>
-        <p:txBody>
-          <a:bodyPr wrap="none" lIns="53578" tIns="53578" rIns="53578" bIns="53578" anchor="ctr">
-            <a:spAutoFit/>
-          </a:bodyPr>
-          <a:lstStyle/>
-          <a:p>
-            <a:pPr>
-              <a:defRPr sz="4600"/>
-            </a:pPr>
-            <a:r>
-              <a:t>動機</a:t>
-            </a:r>
-          </a:p>
-          <a:p>
-            <a:pPr>
-              <a:defRPr sz="4600"/>
-            </a:pPr>
-            <a:r>
-              <a:t>referer</a:t>
-            </a:r>
-          </a:p>
-          <a:p>
-            <a:pPr>
-              <a:defRPr sz="4600"/>
-            </a:pPr>
-            <a:r>
-              <a:t>觸發點</a:t>
-            </a:r>
-          </a:p>
-        </p:txBody>
-      </p:sp>
+        </p:spPr>
+      </p:pic>
     </p:spTree>
   </p:cSld>
   <p:clrMapOvr>
@@ -14144,7 +14328,7 @@
         </p:nvSpPr>
         <p:spPr>
           <a:xfrm>
-            <a:off x="12142423" y="6852613"/>
+            <a:off x="12142423" y="6852612"/>
             <a:ext cx="9184658" cy="5137709"/>
           </a:xfrm>
           <a:prstGeom prst="rect">
@@ -14200,7 +14384,7 @@
         </p:nvSpPr>
         <p:spPr>
           <a:xfrm>
-            <a:off x="3010364" y="6852613"/>
+            <a:off x="3010364" y="6852612"/>
             <a:ext cx="9184659" cy="5137709"/>
           </a:xfrm>
           <a:prstGeom prst="rect">
@@ -14256,8 +14440,8 @@
         </p:nvSpPr>
         <p:spPr>
           <a:xfrm rot="5400000">
-            <a:off x="11313381" y="4123410"/>
-            <a:ext cx="1757238" cy="559109"/>
+            <a:off x="11313381" y="4123411"/>
+            <a:ext cx="1757238" cy="559108"/>
           </a:xfrm>
           <a:custGeom>
             <a:avLst/>
@@ -14328,7 +14512,7 @@
         <p:spPr>
           <a:xfrm rot="16200000">
             <a:off x="11313381" y="9141913"/>
-            <a:ext cx="1757238" cy="559109"/>
+            <a:ext cx="1757238" cy="559108"/>
           </a:xfrm>
           <a:custGeom>
             <a:avLst/>
@@ -14400,8 +14584,8 @@
         </p:nvSpPr>
         <p:spPr>
           <a:xfrm>
-            <a:off x="6724074" y="6578446"/>
-            <a:ext cx="1757238" cy="559108"/>
+            <a:off x="6724074" y="6578445"/>
+            <a:ext cx="1757238" cy="559109"/>
           </a:xfrm>
           <a:custGeom>
             <a:avLst/>
@@ -14473,8 +14657,8 @@
         </p:nvSpPr>
         <p:spPr>
           <a:xfrm flipH="1" rot="10800000">
-            <a:off x="15856133" y="6578446"/>
-            <a:ext cx="1757238" cy="559108"/>
+            <a:off x="15856132" y="6578445"/>
+            <a:ext cx="1757239" cy="559109"/>
           </a:xfrm>
           <a:custGeom>
             <a:avLst/>
@@ -14574,8 +14758,8 @@
         </p:nvSpPr>
         <p:spPr>
           <a:xfrm>
-            <a:off x="6673452" y="4173735"/>
-            <a:ext cx="11037096" cy="3482580"/>
+            <a:off x="6673453" y="4173735"/>
+            <a:ext cx="11037095" cy="3482580"/>
           </a:xfrm>
           <a:prstGeom prst="rect">
             <a:avLst/>
